--- a/src/Qualification project/Documentation/Garbage/Prezentācija_ap19122.pptx
+++ b/src/Qualification project/Documentation/Garbage/Prezentācija_ap19122.pptx
@@ -5,7 +5,7 @@
     <p:sldMasterId id="2147483648" r:id="rId1"/>
   </p:sldMasterIdLst>
   <p:notesMasterIdLst>
-    <p:notesMasterId r:id="rId13"/>
+    <p:notesMasterId r:id="rId15"/>
   </p:notesMasterIdLst>
   <p:sldIdLst>
     <p:sldId id="256" r:id="rId2"/>
@@ -14,11 +14,13 @@
     <p:sldId id="258" r:id="rId5"/>
     <p:sldId id="257" r:id="rId6"/>
     <p:sldId id="259" r:id="rId7"/>
-    <p:sldId id="268" r:id="rId8"/>
-    <p:sldId id="261" r:id="rId9"/>
-    <p:sldId id="269" r:id="rId10"/>
-    <p:sldId id="265" r:id="rId11"/>
-    <p:sldId id="260" r:id="rId12"/>
+    <p:sldId id="272" r:id="rId8"/>
+    <p:sldId id="271" r:id="rId9"/>
+    <p:sldId id="268" r:id="rId10"/>
+    <p:sldId id="261" r:id="rId11"/>
+    <p:sldId id="269" r:id="rId12"/>
+    <p:sldId id="265" r:id="rId13"/>
+    <p:sldId id="260" r:id="rId14"/>
   </p:sldIdLst>
   <p:sldSz cx="12192000" cy="6858000"/>
   <p:notesSz cx="6858000" cy="9144000"/>
@@ -864,7 +866,7 @@
           <a:p>
             <a:fld id="{113867BA-F1A9-4FE3-A7CA-EDBFF3C07837}" type="slidenum">
               <a:rPr lang="en-US" smtClean="0"/>
-              <a:t>10</a:t>
+              <a:t>12</a:t>
             </a:fld>
             <a:endParaRPr lang="en-US"/>
           </a:p>
@@ -4215,10 +4217,10 @@
       </p:grpSpPr>
       <p:sp>
         <p:nvSpPr>
-          <p:cNvPr id="2" name="Title 1">
-            <a:extLst>
-              <a:ext uri="{FF2B5EF4-FFF2-40B4-BE49-F238E27FC236}">
-                <a16:creationId xmlns:a16="http://schemas.microsoft.com/office/drawing/2014/main" id="{A3A6433B-7537-4B0F-91DC-161B20E4658E}"/>
+          <p:cNvPr id="2" name="Virsraksts 1">
+            <a:extLst>
+              <a:ext uri="{FF2B5EF4-FFF2-40B4-BE49-F238E27FC236}">
+                <a16:creationId xmlns:a16="http://schemas.microsoft.com/office/drawing/2014/main" id="{76A6A1F6-3E7E-470C-AD52-7FAB05B430DE}"/>
               </a:ext>
             </a:extLst>
           </p:cNvPr>
@@ -4235,231 +4237,102 @@
           <a:lstStyle/>
           <a:p>
             <a:r>
-              <a:rPr lang="lv-LV">
-                <a:latin typeface="Times New Roman" panose="02020603050405020304" pitchFamily="18" charset="0"/>
-                <a:cs typeface="Times New Roman" panose="02020603050405020304" pitchFamily="18" charset="0"/>
-              </a:rPr>
-              <a:t>Risinājums adapterim</a:t>
-            </a:r>
-          </a:p>
-        </p:txBody>
-      </p:sp>
-      <p:sp>
-        <p:nvSpPr>
-          <p:cNvPr id="3" name="Content Placeholder 2">
-            <a:extLst>
-              <a:ext uri="{FF2B5EF4-FFF2-40B4-BE49-F238E27FC236}">
-                <a16:creationId xmlns:a16="http://schemas.microsoft.com/office/drawing/2014/main" id="{924AFE6F-30C4-455B-96C5-DEFF6BB62D9F}"/>
-              </a:ext>
-            </a:extLst>
-          </p:cNvPr>
-          <p:cNvSpPr>
-            <a:spLocks noGrp="1"/>
-          </p:cNvSpPr>
-          <p:nvPr>
-            <p:ph idx="1"/>
-          </p:nvPr>
-        </p:nvSpPr>
-        <p:spPr/>
-        <p:txBody>
-          <a:bodyPr/>
-          <a:lstStyle/>
-          <a:p>
-            <a:r>
-              <a:rPr lang="en-US" dirty="0" err="1">
-                <a:latin typeface="Times New Roman" panose="02020603050405020304" pitchFamily="18" charset="0"/>
-                <a:cs typeface="Times New Roman" panose="02020603050405020304" pitchFamily="18" charset="0"/>
-              </a:rPr>
-              <a:t>Tālvadības</a:t>
+              <a:rPr lang="lv-LV" dirty="0">
+                <a:latin typeface="Times New Roman" panose="02020603050405020304" pitchFamily="18" charset="0"/>
+                <a:cs typeface="Times New Roman" panose="02020603050405020304" pitchFamily="18" charset="0"/>
+              </a:rPr>
+              <a:t>Risinājums </a:t>
             </a:r>
             <a:r>
               <a:rPr lang="en-US" dirty="0">
                 <a:latin typeface="Times New Roman" panose="02020603050405020304" pitchFamily="18" charset="0"/>
                 <a:cs typeface="Times New Roman" panose="02020603050405020304" pitchFamily="18" charset="0"/>
               </a:rPr>
-              <a:t> (Remote) </a:t>
-            </a:r>
-            <a:r>
-              <a:rPr lang="en-US" dirty="0" err="1">
-                <a:latin typeface="Times New Roman" panose="02020603050405020304" pitchFamily="18" charset="0"/>
-                <a:cs typeface="Times New Roman" panose="02020603050405020304" pitchFamily="18" charset="0"/>
-              </a:rPr>
-              <a:t>funkcijām</a:t>
-            </a:r>
-            <a:r>
-              <a:rPr lang="en-US" dirty="0">
-                <a:latin typeface="Times New Roman" panose="02020603050405020304" pitchFamily="18" charset="0"/>
-                <a:cs typeface="Times New Roman" panose="02020603050405020304" pitchFamily="18" charset="0"/>
-              </a:rPr>
-              <a:t> </a:t>
-            </a:r>
-            <a:r>
-              <a:rPr lang="en-US" dirty="0" err="1">
-                <a:latin typeface="Times New Roman" panose="02020603050405020304" pitchFamily="18" charset="0"/>
-                <a:cs typeface="Times New Roman" panose="02020603050405020304" pitchFamily="18" charset="0"/>
-              </a:rPr>
-              <a:t>jau</a:t>
-            </a:r>
-            <a:r>
-              <a:rPr lang="en-US" dirty="0">
-                <a:latin typeface="Times New Roman" panose="02020603050405020304" pitchFamily="18" charset="0"/>
-                <a:cs typeface="Times New Roman" panose="02020603050405020304" pitchFamily="18" charset="0"/>
-              </a:rPr>
-              <a:t> </a:t>
-            </a:r>
-            <a:r>
-              <a:rPr lang="en-US" dirty="0" err="1">
-                <a:latin typeface="Times New Roman" panose="02020603050405020304" pitchFamily="18" charset="0"/>
-                <a:cs typeface="Times New Roman" panose="02020603050405020304" pitchFamily="18" charset="0"/>
-              </a:rPr>
-              <a:t>ir</a:t>
-            </a:r>
-            <a:r>
-              <a:rPr lang="en-US" dirty="0">
-                <a:latin typeface="Times New Roman" panose="02020603050405020304" pitchFamily="18" charset="0"/>
-                <a:cs typeface="Times New Roman" panose="02020603050405020304" pitchFamily="18" charset="0"/>
-              </a:rPr>
-              <a:t> </a:t>
-            </a:r>
-            <a:r>
-              <a:rPr lang="en-US" dirty="0" err="1">
-                <a:latin typeface="Times New Roman" panose="02020603050405020304" pitchFamily="18" charset="0"/>
-                <a:cs typeface="Times New Roman" panose="02020603050405020304" pitchFamily="18" charset="0"/>
-              </a:rPr>
-              <a:t>iebūvētas</a:t>
-            </a:r>
-            <a:r>
-              <a:rPr lang="en-US" dirty="0">
-                <a:latin typeface="Times New Roman" panose="02020603050405020304" pitchFamily="18" charset="0"/>
-                <a:cs typeface="Times New Roman" panose="02020603050405020304" pitchFamily="18" charset="0"/>
-              </a:rPr>
-              <a:t> </a:t>
-            </a:r>
-            <a:r>
-              <a:rPr lang="en-US" dirty="0" err="1">
-                <a:latin typeface="Times New Roman" panose="02020603050405020304" pitchFamily="18" charset="0"/>
-                <a:cs typeface="Times New Roman" panose="02020603050405020304" pitchFamily="18" charset="0"/>
-              </a:rPr>
-              <a:t>funkcijas</a:t>
-            </a:r>
-            <a:r>
-              <a:rPr lang="en-US" dirty="0">
-                <a:latin typeface="Times New Roman" panose="02020603050405020304" pitchFamily="18" charset="0"/>
-                <a:cs typeface="Times New Roman" panose="02020603050405020304" pitchFamily="18" charset="0"/>
-              </a:rPr>
-              <a:t>.</a:t>
-            </a:r>
-          </a:p>
-          <a:p>
-            <a:endParaRPr lang="en-US" dirty="0">
+              <a:t>OOP API</a:t>
+            </a:r>
+            <a:endParaRPr lang="lv-LV" dirty="0">
               <a:latin typeface="Times New Roman" panose="02020603050405020304" pitchFamily="18" charset="0"/>
               <a:cs typeface="Times New Roman" panose="02020603050405020304" pitchFamily="18" charset="0"/>
             </a:endParaRPr>
           </a:p>
-          <a:p>
+        </p:txBody>
+      </p:sp>
+      <p:sp>
+        <p:nvSpPr>
+          <p:cNvPr id="3" name="Satura vietturis 2">
+            <a:extLst>
+              <a:ext uri="{FF2B5EF4-FFF2-40B4-BE49-F238E27FC236}">
+                <a16:creationId xmlns:a16="http://schemas.microsoft.com/office/drawing/2014/main" id="{FBEEF258-DDDB-46A5-A51C-4D22C189350C}"/>
+              </a:ext>
+            </a:extLst>
+          </p:cNvPr>
+          <p:cNvSpPr>
+            <a:spLocks noGrp="1"/>
+          </p:cNvSpPr>
+          <p:nvPr>
+            <p:ph idx="1"/>
+          </p:nvPr>
+        </p:nvSpPr>
+        <p:spPr/>
+        <p:txBody>
+          <a:bodyPr/>
+          <a:lstStyle/>
+          <a:p>
+            <a:r>
+              <a:rPr lang="en-US" dirty="0">
+                <a:latin typeface="Times New Roman" panose="02020603050405020304" pitchFamily="18" charset="0"/>
+                <a:cs typeface="Times New Roman" panose="02020603050405020304" pitchFamily="18" charset="0"/>
+              </a:rPr>
+              <a:t>RAAPI – </a:t>
+            </a:r>
             <a:r>
               <a:rPr lang="lv-LV" dirty="0">
-                <a:latin typeface="Times New Roman" panose="02020603050405020304" pitchFamily="18" charset="0"/>
-                <a:cs typeface="Times New Roman" panose="02020603050405020304" pitchFamily="18" charset="0"/>
-              </a:rPr>
-              <a:t>Refleksija – veids, kā dinamiski piekļūt .NET klasēm, atribūtiem un metodēm. Izmantojam</a:t>
+                <a:effectLst/>
+                <a:latin typeface="Times New Roman" panose="02020603050405020304" pitchFamily="18" charset="0"/>
+                <a:ea typeface="Times New Roman" panose="02020603050405020304" pitchFamily="18" charset="0"/>
+                <a:cs typeface="Times New Roman" panose="02020603050405020304" pitchFamily="18" charset="0"/>
+              </a:rPr>
+              <a:t>universāla zema līmeņa saskarne, kas nodrošina piekļuvi tīmekļa atmiņai </a:t>
+            </a:r>
+          </a:p>
+          <a:p>
+            <a:pPr lvl="1"/>
+            <a:r>
+              <a:rPr lang="lv-LV" dirty="0">
+                <a:effectLst/>
+                <a:latin typeface="Times New Roman" panose="02020603050405020304" pitchFamily="18" charset="0"/>
+                <a:ea typeface="Times New Roman" panose="02020603050405020304" pitchFamily="18" charset="0"/>
+                <a:cs typeface="Times New Roman" panose="02020603050405020304" pitchFamily="18" charset="0"/>
+              </a:rPr>
+              <a:t>tīmekļa atmiņa ir </a:t>
+            </a:r>
+            <a:r>
+              <a:rPr lang="en-US" i="1" dirty="0">
+                <a:effectLst/>
+                <a:latin typeface="Times New Roman" panose="02020603050405020304" pitchFamily="18" charset="0"/>
+                <a:ea typeface="Times New Roman" panose="02020603050405020304" pitchFamily="18" charset="0"/>
+                <a:cs typeface="Times New Roman" panose="02020603050405020304" pitchFamily="18" charset="0"/>
+              </a:rPr>
+              <a:t>in-memory</a:t>
             </a:r>
             <a:r>
               <a:rPr lang="en-US" dirty="0">
-                <a:latin typeface="Times New Roman" panose="02020603050405020304" pitchFamily="18" charset="0"/>
+                <a:effectLst/>
+                <a:latin typeface="Times New Roman" panose="02020603050405020304" pitchFamily="18" charset="0"/>
+                <a:ea typeface="Times New Roman" panose="02020603050405020304" pitchFamily="18" charset="0"/>
                 <a:cs typeface="Times New Roman" panose="02020603050405020304" pitchFamily="18" charset="0"/>
               </a:rPr>
               <a:t> </a:t>
             </a:r>
             <a:r>
-              <a:rPr lang="en-US" dirty="0" err="1">
-                <a:latin typeface="Times New Roman" panose="02020603050405020304" pitchFamily="18" charset="0"/>
-                <a:cs typeface="Times New Roman" panose="02020603050405020304" pitchFamily="18" charset="0"/>
-              </a:rPr>
-              <a:t>lokālo</a:t>
-            </a:r>
-            <a:r>
               <a:rPr lang="lv-LV" dirty="0">
-                <a:latin typeface="Times New Roman" panose="02020603050405020304" pitchFamily="18" charset="0"/>
-                <a:cs typeface="Times New Roman" panose="02020603050405020304" pitchFamily="18" charset="0"/>
-              </a:rPr>
-              <a:t> funkciju izsaukšanai.</a:t>
-            </a:r>
-          </a:p>
-          <a:p>
-            <a:pPr lvl="1"/>
-            <a:r>
-              <a:rPr lang="lv-LV" dirty="0">
-                <a:latin typeface="Times New Roman" panose="02020603050405020304" pitchFamily="18" charset="0"/>
-                <a:cs typeface="Times New Roman" panose="02020603050405020304" pitchFamily="18" charset="0"/>
-              </a:rPr>
-              <a:t>Katrai funkcijai ir URL</a:t>
-            </a:r>
-          </a:p>
-          <a:p>
-            <a:pPr lvl="2"/>
-            <a:r>
-              <a:rPr lang="lv-LV" dirty="0">
-                <a:latin typeface="Times New Roman" panose="02020603050405020304" pitchFamily="18" charset="0"/>
-                <a:cs typeface="Times New Roman" panose="02020603050405020304" pitchFamily="18" charset="0"/>
-              </a:rPr>
-              <a:t>Formāts: </a:t>
-            </a:r>
-            <a:r>
-              <a:rPr lang="lv-LV" i="1" dirty="0" err="1">
-                <a:latin typeface="Times New Roman" panose="02020603050405020304" pitchFamily="18" charset="0"/>
-                <a:cs typeface="Times New Roman" panose="02020603050405020304" pitchFamily="18" charset="0"/>
-              </a:rPr>
-              <a:t>protokols:lokācija:ceļš</a:t>
-            </a:r>
-            <a:r>
-              <a:rPr lang="lv-LV" i="1" dirty="0">
-                <a:latin typeface="Times New Roman" panose="02020603050405020304" pitchFamily="18" charset="0"/>
-                <a:cs typeface="Times New Roman" panose="02020603050405020304" pitchFamily="18" charset="0"/>
-              </a:rPr>
-              <a:t> </a:t>
-            </a:r>
-            <a:r>
-              <a:rPr lang="lv-LV" dirty="0">
-                <a:latin typeface="Times New Roman" panose="02020603050405020304" pitchFamily="18" charset="0"/>
-                <a:cs typeface="Times New Roman" panose="02020603050405020304" pitchFamily="18" charset="0"/>
-              </a:rPr>
-              <a:t>(šobrīd protokols – </a:t>
-            </a:r>
-            <a:r>
-              <a:rPr lang="lv-LV" i="1" dirty="0" err="1">
-                <a:latin typeface="Times New Roman" panose="02020603050405020304" pitchFamily="18" charset="0"/>
-                <a:cs typeface="Times New Roman" panose="02020603050405020304" pitchFamily="18" charset="0"/>
-              </a:rPr>
-              <a:t>dotnet</a:t>
-            </a:r>
-            <a:r>
-              <a:rPr lang="lv-LV" dirty="0">
-                <a:latin typeface="Times New Roman" panose="02020603050405020304" pitchFamily="18" charset="0"/>
-                <a:cs typeface="Times New Roman" panose="02020603050405020304" pitchFamily="18" charset="0"/>
-              </a:rPr>
-              <a:t>, lokācija - </a:t>
-            </a:r>
-            <a:r>
-              <a:rPr lang="lv-LV" i="1" dirty="0" err="1">
-                <a:latin typeface="Times New Roman" panose="02020603050405020304" pitchFamily="18" charset="0"/>
-                <a:cs typeface="Times New Roman" panose="02020603050405020304" pitchFamily="18" charset="0"/>
-              </a:rPr>
-              <a:t>local</a:t>
-            </a:r>
-            <a:r>
-              <a:rPr lang="lv-LV" dirty="0">
-                <a:latin typeface="Times New Roman" panose="02020603050405020304" pitchFamily="18" charset="0"/>
-                <a:cs typeface="Times New Roman" panose="02020603050405020304" pitchFamily="18" charset="0"/>
-              </a:rPr>
-              <a:t>)</a:t>
-            </a:r>
-          </a:p>
-          <a:p>
-            <a:endParaRPr lang="lv-LV" i="1" dirty="0">
-              <a:latin typeface="Times New Roman" panose="02020603050405020304" pitchFamily="18" charset="0"/>
-              <a:cs typeface="Times New Roman" panose="02020603050405020304" pitchFamily="18" charset="0"/>
-            </a:endParaRPr>
+                <a:effectLst/>
+                <a:latin typeface="Times New Roman" panose="02020603050405020304" pitchFamily="18" charset="0"/>
+                <a:ea typeface="Times New Roman" panose="02020603050405020304" pitchFamily="18" charset="0"/>
+                <a:cs typeface="Times New Roman" panose="02020603050405020304" pitchFamily="18" charset="0"/>
+              </a:rPr>
+              <a:t>modeļa repozitorijs</a:t>
+            </a:r>
           </a:p>
           <a:p>
             <a:pPr marL="0" indent="0">
@@ -4470,12 +4343,117 @@
               <a:cs typeface="Times New Roman" panose="02020603050405020304" pitchFamily="18" charset="0"/>
             </a:endParaRPr>
           </a:p>
+          <a:p>
+            <a:r>
+              <a:rPr lang="lv-LV" dirty="0">
+                <a:latin typeface="Times New Roman" panose="02020603050405020304" pitchFamily="18" charset="0"/>
+                <a:cs typeface="Times New Roman" panose="02020603050405020304" pitchFamily="18" charset="0"/>
+              </a:rPr>
+              <a:t>LINQ – datu iegūšanai no </a:t>
+            </a:r>
+            <a:r>
+              <a:rPr lang="en-US" dirty="0">
+                <a:latin typeface="Times New Roman" panose="02020603050405020304" pitchFamily="18" charset="0"/>
+                <a:cs typeface="Times New Roman" panose="02020603050405020304" pitchFamily="18" charset="0"/>
+              </a:rPr>
+              <a:t>RAAPI un </a:t>
+            </a:r>
+            <a:r>
+              <a:rPr lang="lv-LV" dirty="0">
+                <a:latin typeface="Times New Roman" panose="02020603050405020304" pitchFamily="18" charset="0"/>
+                <a:cs typeface="Times New Roman" panose="02020603050405020304" pitchFamily="18" charset="0"/>
+              </a:rPr>
+              <a:t>pārveidošana uz </a:t>
+            </a:r>
+            <a:r>
+              <a:rPr lang="en-US" dirty="0">
+                <a:latin typeface="Times New Roman" panose="02020603050405020304" pitchFamily="18" charset="0"/>
+                <a:cs typeface="Times New Roman" panose="02020603050405020304" pitchFamily="18" charset="0"/>
+              </a:rPr>
+              <a:t>OOP.</a:t>
+            </a:r>
+            <a:endParaRPr lang="lv-LV" dirty="0">
+              <a:latin typeface="Times New Roman" panose="02020603050405020304" pitchFamily="18" charset="0"/>
+              <a:cs typeface="Times New Roman" panose="02020603050405020304" pitchFamily="18" charset="0"/>
+            </a:endParaRPr>
+          </a:p>
+          <a:p>
+            <a:pPr marL="0" indent="0">
+              <a:buNone/>
+            </a:pPr>
+            <a:endParaRPr lang="en-US" dirty="0">
+              <a:latin typeface="Times New Roman" panose="02020603050405020304" pitchFamily="18" charset="0"/>
+              <a:cs typeface="Times New Roman" panose="02020603050405020304" pitchFamily="18" charset="0"/>
+            </a:endParaRPr>
+          </a:p>
+          <a:p>
+            <a:r>
+              <a:rPr lang="lv-LV" dirty="0">
+                <a:latin typeface="Times New Roman" panose="02020603050405020304" pitchFamily="18" charset="0"/>
+                <a:cs typeface="Times New Roman" panose="02020603050405020304" pitchFamily="18" charset="0"/>
+              </a:rPr>
+              <a:t>Pašveidotas datu struktūras </a:t>
+            </a:r>
+            <a:r>
+              <a:rPr lang="en-US" dirty="0">
+                <a:latin typeface="Times New Roman" panose="02020603050405020304" pitchFamily="18" charset="0"/>
+                <a:cs typeface="Times New Roman" panose="02020603050405020304" pitchFamily="18" charset="0"/>
+              </a:rPr>
+              <a:t>RAAPI</a:t>
+            </a:r>
+            <a:r>
+              <a:rPr lang="lv-LV" dirty="0">
+                <a:latin typeface="Times New Roman" panose="02020603050405020304" pitchFamily="18" charset="0"/>
+                <a:cs typeface="Times New Roman" panose="02020603050405020304" pitchFamily="18" charset="0"/>
+              </a:rPr>
+              <a:t> informācijas glabāšanai.</a:t>
+            </a:r>
+          </a:p>
+          <a:p>
+            <a:endParaRPr lang="lv-LV" dirty="0">
+              <a:latin typeface="Times New Roman" panose="02020603050405020304" pitchFamily="18" charset="0"/>
+              <a:cs typeface="Times New Roman" panose="02020603050405020304" pitchFamily="18" charset="0"/>
+            </a:endParaRPr>
+          </a:p>
+          <a:p>
+            <a:pPr marL="0" indent="0">
+              <a:buNone/>
+            </a:pPr>
+            <a:endParaRPr lang="en-US" dirty="0">
+              <a:latin typeface="Times New Roman" panose="02020603050405020304" pitchFamily="18" charset="0"/>
+              <a:cs typeface="Times New Roman" panose="02020603050405020304" pitchFamily="18" charset="0"/>
+            </a:endParaRPr>
+          </a:p>
+          <a:p>
+            <a:endParaRPr lang="en-US" dirty="0">
+              <a:latin typeface="Times New Roman" panose="02020603050405020304" pitchFamily="18" charset="0"/>
+              <a:cs typeface="Times New Roman" panose="02020603050405020304" pitchFamily="18" charset="0"/>
+            </a:endParaRPr>
+          </a:p>
+          <a:p>
+            <a:endParaRPr lang="en-US" dirty="0">
+              <a:latin typeface="Times New Roman" panose="02020603050405020304" pitchFamily="18" charset="0"/>
+              <a:cs typeface="Times New Roman" panose="02020603050405020304" pitchFamily="18" charset="0"/>
+            </a:endParaRPr>
+          </a:p>
+          <a:p>
+            <a:endParaRPr lang="lv-LV" dirty="0">
+              <a:latin typeface="Times New Roman" panose="02020603050405020304" pitchFamily="18" charset="0"/>
+              <a:cs typeface="Times New Roman" panose="02020603050405020304" pitchFamily="18" charset="0"/>
+            </a:endParaRPr>
+          </a:p>
+          <a:p>
+            <a:endParaRPr lang="lv-LV" dirty="0">
+              <a:latin typeface="Times New Roman" panose="02020603050405020304" pitchFamily="18" charset="0"/>
+              <a:cs typeface="Times New Roman" panose="02020603050405020304" pitchFamily="18" charset="0"/>
+            </a:endParaRPr>
+          </a:p>
         </p:txBody>
       </p:sp>
     </p:spTree>
     <p:extLst>
       <p:ext uri="{BB962C8B-B14F-4D97-AF65-F5344CB8AC3E}">
-        <p14:creationId xmlns:p14="http://schemas.microsoft.com/office/powerpoint/2010/main" val="259631641"/>
+        <p14:creationId xmlns:p14="http://schemas.microsoft.com/office/powerpoint/2010/main" val="3211450216"/>
       </p:ext>
     </p:extLst>
   </p:cSld>
@@ -4504,10 +4482,10 @@
       </p:grpSpPr>
       <p:sp>
         <p:nvSpPr>
-          <p:cNvPr id="2" name="Virsraksts 1">
-            <a:extLst>
-              <a:ext uri="{FF2B5EF4-FFF2-40B4-BE49-F238E27FC236}">
-                <a16:creationId xmlns:a16="http://schemas.microsoft.com/office/drawing/2014/main" id="{C8E1B13B-4241-48C0-90AA-54188E1CD19A}"/>
+          <p:cNvPr id="2" name="Title 1">
+            <a:extLst>
+              <a:ext uri="{FF2B5EF4-FFF2-40B4-BE49-F238E27FC236}">
+                <a16:creationId xmlns:a16="http://schemas.microsoft.com/office/drawing/2014/main" id="{3084D7B8-C85A-4408-9B3D-5718631C23AD}"/>
               </a:ext>
             </a:extLst>
           </p:cNvPr>
@@ -4524,180 +4502,489 @@
           <a:lstStyle/>
           <a:p>
             <a:r>
+              <a:rPr lang="lv-LV" dirty="0"/>
+              <a:t>OOP API struktūra</a:t>
+            </a:r>
+            <a:endParaRPr lang="en-US" dirty="0"/>
+          </a:p>
+        </p:txBody>
+      </p:sp>
+      <p:pic>
+        <p:nvPicPr>
+          <p:cNvPr id="3" name="Picture 2">
+            <a:extLst>
+              <a:ext uri="{FF2B5EF4-FFF2-40B4-BE49-F238E27FC236}">
+                <a16:creationId xmlns:a16="http://schemas.microsoft.com/office/drawing/2014/main" id="{D64342BD-297C-4EEB-A847-1040C29B8FEE}"/>
+              </a:ext>
+            </a:extLst>
+          </p:cNvPr>
+          <p:cNvPicPr>
+            <a:picLocks noChangeAspect="1" noChangeArrowheads="1"/>
+          </p:cNvPicPr>
+          <p:nvPr/>
+        </p:nvPicPr>
+        <p:blipFill>
+          <a:blip r:embed="rId2">
+            <a:extLst>
+              <a:ext uri="{28A0092B-C50C-407E-A947-70E740481C1C}">
+                <a14:useLocalDpi xmlns:a14="http://schemas.microsoft.com/office/drawing/2010/main" val="0"/>
+              </a:ext>
+            </a:extLst>
+          </a:blip>
+          <a:srcRect/>
+          <a:stretch>
+            <a:fillRect/>
+          </a:stretch>
+        </p:blipFill>
+        <p:spPr bwMode="auto">
+          <a:xfrm>
+            <a:off x="1973350" y="1583393"/>
+            <a:ext cx="8245299" cy="4760964"/>
+          </a:xfrm>
+          <a:prstGeom prst="rect">
+            <a:avLst/>
+          </a:prstGeom>
+          <a:noFill/>
+          <a:extLst>
+            <a:ext uri="{909E8E84-426E-40DD-AFC4-6F175D3DCCD1}">
+              <a14:hiddenFill xmlns:a14="http://schemas.microsoft.com/office/drawing/2010/main">
+                <a:solidFill>
+                  <a:srgbClr val="FFFFFF"/>
+                </a:solidFill>
+              </a14:hiddenFill>
+            </a:ext>
+          </a:extLst>
+        </p:spPr>
+      </p:pic>
+    </p:spTree>
+    <p:extLst>
+      <p:ext uri="{BB962C8B-B14F-4D97-AF65-F5344CB8AC3E}">
+        <p14:creationId xmlns:p14="http://schemas.microsoft.com/office/powerpoint/2010/main" val="3215289046"/>
+      </p:ext>
+    </p:extLst>
+  </p:cSld>
+  <p:clrMapOvr>
+    <a:masterClrMapping/>
+  </p:clrMapOvr>
+</p:sld>
+</file>
+
+<file path=ppt/slides/slide12.xml><?xml version="1.0" encoding="utf-8"?>
+<p:sld xmlns:a="http://schemas.openxmlformats.org/drawingml/2006/main" xmlns:r="http://schemas.openxmlformats.org/officeDocument/2006/relationships" xmlns:p="http://schemas.openxmlformats.org/presentationml/2006/main">
+  <p:cSld>
+    <p:spTree>
+      <p:nvGrpSpPr>
+        <p:cNvPr id="1" name=""/>
+        <p:cNvGrpSpPr/>
+        <p:nvPr/>
+      </p:nvGrpSpPr>
+      <p:grpSpPr>
+        <a:xfrm>
+          <a:off x="0" y="0"/>
+          <a:ext cx="0" cy="0"/>
+          <a:chOff x="0" y="0"/>
+          <a:chExt cx="0" cy="0"/>
+        </a:xfrm>
+      </p:grpSpPr>
+      <p:sp>
+        <p:nvSpPr>
+          <p:cNvPr id="2" name="Title 1">
+            <a:extLst>
+              <a:ext uri="{FF2B5EF4-FFF2-40B4-BE49-F238E27FC236}">
+                <a16:creationId xmlns:a16="http://schemas.microsoft.com/office/drawing/2014/main" id="{A3A6433B-7537-4B0F-91DC-161B20E4658E}"/>
+              </a:ext>
+            </a:extLst>
+          </p:cNvPr>
+          <p:cNvSpPr>
+            <a:spLocks noGrp="1"/>
+          </p:cNvSpPr>
+          <p:nvPr>
+            <p:ph type="title"/>
+          </p:nvPr>
+        </p:nvSpPr>
+        <p:spPr/>
+        <p:txBody>
+          <a:bodyPr/>
+          <a:lstStyle/>
+          <a:p>
+            <a:r>
+              <a:rPr lang="lv-LV">
+                <a:latin typeface="Times New Roman" panose="02020603050405020304" pitchFamily="18" charset="0"/>
+                <a:cs typeface="Times New Roman" panose="02020603050405020304" pitchFamily="18" charset="0"/>
+              </a:rPr>
+              <a:t>Risinājums adapterim</a:t>
+            </a:r>
+          </a:p>
+        </p:txBody>
+      </p:sp>
+      <p:sp>
+        <p:nvSpPr>
+          <p:cNvPr id="3" name="Content Placeholder 2">
+            <a:extLst>
+              <a:ext uri="{FF2B5EF4-FFF2-40B4-BE49-F238E27FC236}">
+                <a16:creationId xmlns:a16="http://schemas.microsoft.com/office/drawing/2014/main" id="{924AFE6F-30C4-455B-96C5-DEFF6BB62D9F}"/>
+              </a:ext>
+            </a:extLst>
+          </p:cNvPr>
+          <p:cNvSpPr>
+            <a:spLocks noGrp="1"/>
+          </p:cNvSpPr>
+          <p:nvPr>
+            <p:ph idx="1"/>
+          </p:nvPr>
+        </p:nvSpPr>
+        <p:spPr/>
+        <p:txBody>
+          <a:bodyPr/>
+          <a:lstStyle/>
+          <a:p>
+            <a:r>
               <a:rPr lang="lv-LV" dirty="0">
                 <a:latin typeface="Times New Roman" panose="02020603050405020304" pitchFamily="18" charset="0"/>
                 <a:cs typeface="Times New Roman" panose="02020603050405020304" pitchFamily="18" charset="0"/>
               </a:rPr>
-              <a:t>Rezultāti</a:t>
-            </a:r>
-          </a:p>
-        </p:txBody>
-      </p:sp>
-      <p:sp>
-        <p:nvSpPr>
-          <p:cNvPr id="3" name="Satura vietturis 2">
-            <a:extLst>
-              <a:ext uri="{FF2B5EF4-FFF2-40B4-BE49-F238E27FC236}">
-                <a16:creationId xmlns:a16="http://schemas.microsoft.com/office/drawing/2014/main" id="{30B3118C-7BF8-4771-BEB0-7E50150E8C42}"/>
-              </a:ext>
-            </a:extLst>
-          </p:cNvPr>
-          <p:cNvSpPr>
-            <a:spLocks noGrp="1"/>
-          </p:cNvSpPr>
-          <p:nvPr>
-            <p:ph idx="1"/>
-          </p:nvPr>
-        </p:nvSpPr>
-        <p:spPr/>
-        <p:txBody>
-          <a:bodyPr/>
-          <a:lstStyle/>
-          <a:p>
-            <a:r>
-              <a:rPr lang="en-US" dirty="0" err="1">
-                <a:latin typeface="Times New Roman" panose="02020603050405020304" pitchFamily="18" charset="0"/>
-                <a:cs typeface="Times New Roman" panose="02020603050405020304" pitchFamily="18" charset="0"/>
-              </a:rPr>
-              <a:t>WebAppOS</a:t>
-            </a:r>
-            <a:r>
-              <a:rPr lang="en-US" dirty="0">
+              <a:t>Refleksija – veids, kā dinamiski piekļūt .NET klasēm, atribūtiem un metodēm. Izmantojam funkciju izsaukšanai.</a:t>
+            </a:r>
+          </a:p>
+          <a:p>
+            <a:pPr lvl="1"/>
+            <a:r>
+              <a:rPr lang="lv-LV" dirty="0">
+                <a:latin typeface="Times New Roman" panose="02020603050405020304" pitchFamily="18" charset="0"/>
+                <a:cs typeface="Times New Roman" panose="02020603050405020304" pitchFamily="18" charset="0"/>
+              </a:rPr>
+              <a:t>Katrai funkcijai ir URL</a:t>
+            </a:r>
+          </a:p>
+          <a:p>
+            <a:pPr lvl="2"/>
+            <a:r>
+              <a:rPr lang="lv-LV" dirty="0">
+                <a:latin typeface="Times New Roman" panose="02020603050405020304" pitchFamily="18" charset="0"/>
+                <a:cs typeface="Times New Roman" panose="02020603050405020304" pitchFamily="18" charset="0"/>
+              </a:rPr>
+              <a:t>Formāts: </a:t>
+            </a:r>
+            <a:r>
+              <a:rPr lang="lv-LV" i="1" dirty="0" err="1">
+                <a:latin typeface="Times New Roman" panose="02020603050405020304" pitchFamily="18" charset="0"/>
+                <a:cs typeface="Times New Roman" panose="02020603050405020304" pitchFamily="18" charset="0"/>
+              </a:rPr>
+              <a:t>protokols:lokācija:ceļš</a:t>
+            </a:r>
+            <a:r>
+              <a:rPr lang="lv-LV" i="1" dirty="0">
                 <a:latin typeface="Times New Roman" panose="02020603050405020304" pitchFamily="18" charset="0"/>
                 <a:cs typeface="Times New Roman" panose="02020603050405020304" pitchFamily="18" charset="0"/>
               </a:rPr>
               <a:t> </a:t>
             </a:r>
             <a:r>
-              <a:rPr lang="en-US" dirty="0" err="1">
-                <a:latin typeface="Times New Roman" panose="02020603050405020304" pitchFamily="18" charset="0"/>
-                <a:cs typeface="Times New Roman" panose="02020603050405020304" pitchFamily="18" charset="0"/>
-              </a:rPr>
-              <a:t>vidē</a:t>
-            </a:r>
-            <a:r>
-              <a:rPr lang="en-US" dirty="0">
-                <a:latin typeface="Times New Roman" panose="02020603050405020304" pitchFamily="18" charset="0"/>
-                <a:cs typeface="Times New Roman" panose="02020603050405020304" pitchFamily="18" charset="0"/>
-              </a:rPr>
-              <a:t> </a:t>
-            </a:r>
-            <a:r>
-              <a:rPr lang="en-US" dirty="0" err="1">
-                <a:latin typeface="Times New Roman" panose="02020603050405020304" pitchFamily="18" charset="0"/>
-                <a:cs typeface="Times New Roman" panose="02020603050405020304" pitchFamily="18" charset="0"/>
-              </a:rPr>
-              <a:t>darbojas</a:t>
-            </a:r>
-            <a:r>
-              <a:rPr lang="en-US" dirty="0">
-                <a:latin typeface="Times New Roman" panose="02020603050405020304" pitchFamily="18" charset="0"/>
-                <a:cs typeface="Times New Roman" panose="02020603050405020304" pitchFamily="18" charset="0"/>
-              </a:rPr>
-              <a:t> </a:t>
-            </a:r>
-            <a:r>
-              <a:rPr lang="en-US" dirty="0" err="1">
-                <a:latin typeface="Times New Roman" panose="02020603050405020304" pitchFamily="18" charset="0"/>
-                <a:cs typeface="Times New Roman" panose="02020603050405020304" pitchFamily="18" charset="0"/>
-              </a:rPr>
-              <a:t>funkciju</a:t>
-            </a:r>
-            <a:r>
-              <a:rPr lang="en-US" dirty="0">
-                <a:latin typeface="Times New Roman" panose="02020603050405020304" pitchFamily="18" charset="0"/>
-                <a:cs typeface="Times New Roman" panose="02020603050405020304" pitchFamily="18" charset="0"/>
-              </a:rPr>
-              <a:t> </a:t>
-            </a:r>
-            <a:r>
-              <a:rPr lang="en-US" dirty="0" err="1">
-                <a:latin typeface="Times New Roman" panose="02020603050405020304" pitchFamily="18" charset="0"/>
-                <a:cs typeface="Times New Roman" panose="02020603050405020304" pitchFamily="18" charset="0"/>
-              </a:rPr>
-              <a:t>izsaukšana</a:t>
-            </a:r>
-            <a:r>
-              <a:rPr lang="en-US" dirty="0">
-                <a:latin typeface="Times New Roman" panose="02020603050405020304" pitchFamily="18" charset="0"/>
-                <a:cs typeface="Times New Roman" panose="02020603050405020304" pitchFamily="18" charset="0"/>
-              </a:rPr>
-              <a:t> un </a:t>
-            </a:r>
-            <a:r>
-              <a:rPr lang="en-US" dirty="0" err="1">
-                <a:latin typeface="Times New Roman" panose="02020603050405020304" pitchFamily="18" charset="0"/>
-                <a:cs typeface="Times New Roman" panose="02020603050405020304" pitchFamily="18" charset="0"/>
-              </a:rPr>
-              <a:t>objektu</a:t>
-            </a:r>
-            <a:r>
-              <a:rPr lang="en-US" dirty="0">
-                <a:latin typeface="Times New Roman" panose="02020603050405020304" pitchFamily="18" charset="0"/>
-                <a:cs typeface="Times New Roman" panose="02020603050405020304" pitchFamily="18" charset="0"/>
-              </a:rPr>
-              <a:t> </a:t>
-            </a:r>
-            <a:r>
-              <a:rPr lang="en-US" dirty="0" err="1">
-                <a:latin typeface="Times New Roman" panose="02020603050405020304" pitchFamily="18" charset="0"/>
-                <a:cs typeface="Times New Roman" panose="02020603050405020304" pitchFamily="18" charset="0"/>
-              </a:rPr>
-              <a:t>piekļuve</a:t>
-            </a:r>
-            <a:r>
-              <a:rPr lang="en-US" dirty="0">
-                <a:latin typeface="Times New Roman" panose="02020603050405020304" pitchFamily="18" charset="0"/>
-                <a:cs typeface="Times New Roman" panose="02020603050405020304" pitchFamily="18" charset="0"/>
-              </a:rPr>
-              <a:t>, </a:t>
-            </a:r>
-            <a:r>
-              <a:rPr lang="en-US" dirty="0" err="1">
-                <a:latin typeface="Times New Roman" panose="02020603050405020304" pitchFamily="18" charset="0"/>
-                <a:cs typeface="Times New Roman" panose="02020603050405020304" pitchFamily="18" charset="0"/>
-              </a:rPr>
-              <a:t>izmantojot</a:t>
-            </a:r>
-            <a:r>
-              <a:rPr lang="en-US" dirty="0">
-                <a:latin typeface="Times New Roman" panose="02020603050405020304" pitchFamily="18" charset="0"/>
-                <a:cs typeface="Times New Roman" panose="02020603050405020304" pitchFamily="18" charset="0"/>
-              </a:rPr>
-              <a:t> </a:t>
-            </a:r>
-            <a:r>
-              <a:rPr lang="en-US" dirty="0" err="1">
-                <a:latin typeface="Times New Roman" panose="02020603050405020304" pitchFamily="18" charset="0"/>
-                <a:cs typeface="Times New Roman" panose="02020603050405020304" pitchFamily="18" charset="0"/>
-              </a:rPr>
-              <a:t>izstrādātos</a:t>
-            </a:r>
-            <a:r>
-              <a:rPr lang="en-US" dirty="0">
-                <a:latin typeface="Times New Roman" panose="02020603050405020304" pitchFamily="18" charset="0"/>
-                <a:cs typeface="Times New Roman" panose="02020603050405020304" pitchFamily="18" charset="0"/>
-              </a:rPr>
-              <a:t> </a:t>
-            </a:r>
-            <a:r>
-              <a:rPr lang="en-US" dirty="0" err="1">
-                <a:latin typeface="Times New Roman" panose="02020603050405020304" pitchFamily="18" charset="0"/>
-                <a:cs typeface="Times New Roman" panose="02020603050405020304" pitchFamily="18" charset="0"/>
-              </a:rPr>
-              <a:t>rīkus</a:t>
-            </a:r>
-            <a:r>
-              <a:rPr lang="en-US" dirty="0">
-                <a:latin typeface="Times New Roman" panose="02020603050405020304" pitchFamily="18" charset="0"/>
-                <a:cs typeface="Times New Roman" panose="02020603050405020304" pitchFamily="18" charset="0"/>
-              </a:rPr>
-              <a:t>.</a:t>
-            </a:r>
+              <a:rPr lang="lv-LV" dirty="0">
+                <a:latin typeface="Times New Roman" panose="02020603050405020304" pitchFamily="18" charset="0"/>
+                <a:cs typeface="Times New Roman" panose="02020603050405020304" pitchFamily="18" charset="0"/>
+              </a:rPr>
+              <a:t>(šobrīd protokols – </a:t>
+            </a:r>
+            <a:r>
+              <a:rPr lang="lv-LV" i="1" dirty="0" err="1">
+                <a:latin typeface="Times New Roman" panose="02020603050405020304" pitchFamily="18" charset="0"/>
+                <a:cs typeface="Times New Roman" panose="02020603050405020304" pitchFamily="18" charset="0"/>
+              </a:rPr>
+              <a:t>dotnet</a:t>
+            </a:r>
+            <a:r>
+              <a:rPr lang="lv-LV" dirty="0">
+                <a:latin typeface="Times New Roman" panose="02020603050405020304" pitchFamily="18" charset="0"/>
+                <a:cs typeface="Times New Roman" panose="02020603050405020304" pitchFamily="18" charset="0"/>
+              </a:rPr>
+              <a:t>, lokācija - </a:t>
+            </a:r>
+            <a:r>
+              <a:rPr lang="lv-LV" i="1" dirty="0" err="1">
+                <a:latin typeface="Times New Roman" panose="02020603050405020304" pitchFamily="18" charset="0"/>
+                <a:cs typeface="Times New Roman" panose="02020603050405020304" pitchFamily="18" charset="0"/>
+              </a:rPr>
+              <a:t>local</a:t>
+            </a:r>
+            <a:r>
+              <a:rPr lang="lv-LV" dirty="0">
+                <a:latin typeface="Times New Roman" panose="02020603050405020304" pitchFamily="18" charset="0"/>
+                <a:cs typeface="Times New Roman" panose="02020603050405020304" pitchFamily="18" charset="0"/>
+              </a:rPr>
+              <a:t>)</a:t>
+            </a:r>
+          </a:p>
+          <a:p>
+            <a:endParaRPr lang="lv-LV" i="1" dirty="0">
+              <a:latin typeface="Times New Roman" panose="02020603050405020304" pitchFamily="18" charset="0"/>
+              <a:cs typeface="Times New Roman" panose="02020603050405020304" pitchFamily="18" charset="0"/>
+            </a:endParaRPr>
+          </a:p>
+          <a:p>
+            <a:pPr marL="0" indent="0">
+              <a:buNone/>
+            </a:pPr>
             <a:endParaRPr lang="lv-LV" dirty="0">
               <a:latin typeface="Times New Roman" panose="02020603050405020304" pitchFamily="18" charset="0"/>
               <a:cs typeface="Times New Roman" panose="02020603050405020304" pitchFamily="18" charset="0"/>
             </a:endParaRPr>
+          </a:p>
+        </p:txBody>
+      </p:sp>
+    </p:spTree>
+    <p:extLst>
+      <p:ext uri="{BB962C8B-B14F-4D97-AF65-F5344CB8AC3E}">
+        <p14:creationId xmlns:p14="http://schemas.microsoft.com/office/powerpoint/2010/main" val="259631641"/>
+      </p:ext>
+    </p:extLst>
+  </p:cSld>
+  <p:clrMapOvr>
+    <a:masterClrMapping/>
+  </p:clrMapOvr>
+</p:sld>
+</file>
+
+<file path=ppt/slides/slide13.xml><?xml version="1.0" encoding="utf-8"?>
+<p:sld xmlns:a="http://schemas.openxmlformats.org/drawingml/2006/main" xmlns:r="http://schemas.openxmlformats.org/officeDocument/2006/relationships" xmlns:p="http://schemas.openxmlformats.org/presentationml/2006/main">
+  <p:cSld>
+    <p:spTree>
+      <p:nvGrpSpPr>
+        <p:cNvPr id="1" name=""/>
+        <p:cNvGrpSpPr/>
+        <p:nvPr/>
+      </p:nvGrpSpPr>
+      <p:grpSpPr>
+        <a:xfrm>
+          <a:off x="0" y="0"/>
+          <a:ext cx="0" cy="0"/>
+          <a:chOff x="0" y="0"/>
+          <a:chExt cx="0" cy="0"/>
+        </a:xfrm>
+      </p:grpSpPr>
+      <p:sp>
+        <p:nvSpPr>
+          <p:cNvPr id="2" name="Virsraksts 1">
+            <a:extLst>
+              <a:ext uri="{FF2B5EF4-FFF2-40B4-BE49-F238E27FC236}">
+                <a16:creationId xmlns:a16="http://schemas.microsoft.com/office/drawing/2014/main" id="{C8E1B13B-4241-48C0-90AA-54188E1CD19A}"/>
+              </a:ext>
+            </a:extLst>
+          </p:cNvPr>
+          <p:cNvSpPr>
+            <a:spLocks noGrp="1"/>
+          </p:cNvSpPr>
+          <p:nvPr>
+            <p:ph type="title"/>
+          </p:nvPr>
+        </p:nvSpPr>
+        <p:spPr/>
+        <p:txBody>
+          <a:bodyPr/>
+          <a:lstStyle/>
+          <a:p>
+            <a:r>
+              <a:rPr lang="lv-LV" dirty="0">
+                <a:latin typeface="Times New Roman" panose="02020603050405020304" pitchFamily="18" charset="0"/>
+                <a:cs typeface="Times New Roman" panose="02020603050405020304" pitchFamily="18" charset="0"/>
+              </a:rPr>
+              <a:t>Rezultāti</a:t>
+            </a:r>
+          </a:p>
+        </p:txBody>
+      </p:sp>
+      <p:sp>
+        <p:nvSpPr>
+          <p:cNvPr id="3" name="Satura vietturis 2">
+            <a:extLst>
+              <a:ext uri="{FF2B5EF4-FFF2-40B4-BE49-F238E27FC236}">
+                <a16:creationId xmlns:a16="http://schemas.microsoft.com/office/drawing/2014/main" id="{30B3118C-7BF8-4771-BEB0-7E50150E8C42}"/>
+              </a:ext>
+            </a:extLst>
+          </p:cNvPr>
+          <p:cNvSpPr>
+            <a:spLocks noGrp="1"/>
+          </p:cNvSpPr>
+          <p:nvPr>
+            <p:ph idx="1"/>
+          </p:nvPr>
+        </p:nvSpPr>
+        <p:spPr/>
+        <p:txBody>
+          <a:bodyPr>
+            <a:normAutofit/>
+          </a:bodyPr>
+          <a:lstStyle/>
+          <a:p>
+            <a:r>
+              <a:rPr lang="lv-LV" dirty="0">
+                <a:latin typeface="Times New Roman" panose="02020603050405020304" pitchFamily="18" charset="0"/>
+                <a:cs typeface="Times New Roman" panose="02020603050405020304" pitchFamily="18" charset="0"/>
+              </a:rPr>
+              <a:t>Ir iespējams veidot C# </a:t>
+            </a:r>
+            <a:r>
+              <a:rPr lang="lv-LV" dirty="0" err="1">
+                <a:latin typeface="Times New Roman" panose="02020603050405020304" pitchFamily="18" charset="0"/>
+                <a:cs typeface="Times New Roman" panose="02020603050405020304" pitchFamily="18" charset="0"/>
+              </a:rPr>
+              <a:t>starpkodu</a:t>
+            </a:r>
+            <a:r>
+              <a:rPr lang="lv-LV" dirty="0">
+                <a:latin typeface="Times New Roman" panose="02020603050405020304" pitchFamily="18" charset="0"/>
+                <a:cs typeface="Times New Roman" panose="02020603050405020304" pitchFamily="18" charset="0"/>
+              </a:rPr>
+              <a:t> no jaunās valodas koda.</a:t>
+            </a:r>
+          </a:p>
+          <a:p>
+            <a:endParaRPr lang="lv-LV" dirty="0">
+              <a:latin typeface="Times New Roman" panose="02020603050405020304" pitchFamily="18" charset="0"/>
+              <a:cs typeface="Times New Roman" panose="02020603050405020304" pitchFamily="18" charset="0"/>
+            </a:endParaRPr>
+          </a:p>
+          <a:p>
+            <a:r>
+              <a:rPr lang="en-US" dirty="0" err="1">
+                <a:latin typeface="Times New Roman" panose="02020603050405020304" pitchFamily="18" charset="0"/>
+                <a:cs typeface="Times New Roman" panose="02020603050405020304" pitchFamily="18" charset="0"/>
+              </a:rPr>
+              <a:t>WebAppOS</a:t>
+            </a:r>
+            <a:r>
+              <a:rPr lang="en-US" dirty="0">
+                <a:latin typeface="Times New Roman" panose="02020603050405020304" pitchFamily="18" charset="0"/>
+                <a:cs typeface="Times New Roman" panose="02020603050405020304" pitchFamily="18" charset="0"/>
+              </a:rPr>
+              <a:t> </a:t>
+            </a:r>
+            <a:r>
+              <a:rPr lang="en-US" dirty="0" err="1">
+                <a:latin typeface="Times New Roman" panose="02020603050405020304" pitchFamily="18" charset="0"/>
+                <a:cs typeface="Times New Roman" panose="02020603050405020304" pitchFamily="18" charset="0"/>
+              </a:rPr>
+              <a:t>vidē</a:t>
+            </a:r>
+            <a:r>
+              <a:rPr lang="en-US" dirty="0">
+                <a:latin typeface="Times New Roman" panose="02020603050405020304" pitchFamily="18" charset="0"/>
+                <a:cs typeface="Times New Roman" panose="02020603050405020304" pitchFamily="18" charset="0"/>
+              </a:rPr>
+              <a:t> </a:t>
+            </a:r>
+            <a:r>
+              <a:rPr lang="en-US" dirty="0" err="1">
+                <a:latin typeface="Times New Roman" panose="02020603050405020304" pitchFamily="18" charset="0"/>
+                <a:cs typeface="Times New Roman" panose="02020603050405020304" pitchFamily="18" charset="0"/>
+              </a:rPr>
+              <a:t>darbojas</a:t>
+            </a:r>
+            <a:r>
+              <a:rPr lang="en-US" dirty="0">
+                <a:latin typeface="Times New Roman" panose="02020603050405020304" pitchFamily="18" charset="0"/>
+                <a:cs typeface="Times New Roman" panose="02020603050405020304" pitchFamily="18" charset="0"/>
+              </a:rPr>
+              <a:t> </a:t>
+            </a:r>
+            <a:r>
+              <a:rPr lang="en-US" dirty="0" err="1">
+                <a:latin typeface="Times New Roman" panose="02020603050405020304" pitchFamily="18" charset="0"/>
+                <a:cs typeface="Times New Roman" panose="02020603050405020304" pitchFamily="18" charset="0"/>
+              </a:rPr>
+              <a:t>funkciju</a:t>
+            </a:r>
+            <a:r>
+              <a:rPr lang="en-US" dirty="0">
+                <a:latin typeface="Times New Roman" panose="02020603050405020304" pitchFamily="18" charset="0"/>
+                <a:cs typeface="Times New Roman" panose="02020603050405020304" pitchFamily="18" charset="0"/>
+              </a:rPr>
+              <a:t> </a:t>
+            </a:r>
+            <a:r>
+              <a:rPr lang="en-US" dirty="0" err="1">
+                <a:latin typeface="Times New Roman" panose="02020603050405020304" pitchFamily="18" charset="0"/>
+                <a:cs typeface="Times New Roman" panose="02020603050405020304" pitchFamily="18" charset="0"/>
+              </a:rPr>
+              <a:t>izsaukšana</a:t>
+            </a:r>
+            <a:r>
+              <a:rPr lang="en-US" dirty="0">
+                <a:latin typeface="Times New Roman" panose="02020603050405020304" pitchFamily="18" charset="0"/>
+                <a:cs typeface="Times New Roman" panose="02020603050405020304" pitchFamily="18" charset="0"/>
+              </a:rPr>
+              <a:t> un </a:t>
+            </a:r>
+            <a:r>
+              <a:rPr lang="en-US" dirty="0" err="1">
+                <a:latin typeface="Times New Roman" panose="02020603050405020304" pitchFamily="18" charset="0"/>
+                <a:cs typeface="Times New Roman" panose="02020603050405020304" pitchFamily="18" charset="0"/>
+              </a:rPr>
+              <a:t>objektu</a:t>
+            </a:r>
+            <a:r>
+              <a:rPr lang="en-US" dirty="0">
+                <a:latin typeface="Times New Roman" panose="02020603050405020304" pitchFamily="18" charset="0"/>
+                <a:cs typeface="Times New Roman" panose="02020603050405020304" pitchFamily="18" charset="0"/>
+              </a:rPr>
+              <a:t> </a:t>
+            </a:r>
+            <a:r>
+              <a:rPr lang="en-US" dirty="0" err="1">
+                <a:latin typeface="Times New Roman" panose="02020603050405020304" pitchFamily="18" charset="0"/>
+                <a:cs typeface="Times New Roman" panose="02020603050405020304" pitchFamily="18" charset="0"/>
+              </a:rPr>
+              <a:t>piekļuve</a:t>
+            </a:r>
+            <a:r>
+              <a:rPr lang="en-US" dirty="0">
+                <a:latin typeface="Times New Roman" panose="02020603050405020304" pitchFamily="18" charset="0"/>
+                <a:cs typeface="Times New Roman" panose="02020603050405020304" pitchFamily="18" charset="0"/>
+              </a:rPr>
+              <a:t>, </a:t>
+            </a:r>
+            <a:r>
+              <a:rPr lang="en-US" dirty="0" err="1">
+                <a:latin typeface="Times New Roman" panose="02020603050405020304" pitchFamily="18" charset="0"/>
+                <a:cs typeface="Times New Roman" panose="02020603050405020304" pitchFamily="18" charset="0"/>
+              </a:rPr>
+              <a:t>izmantojot</a:t>
+            </a:r>
+            <a:r>
+              <a:rPr lang="en-US" dirty="0">
+                <a:latin typeface="Times New Roman" panose="02020603050405020304" pitchFamily="18" charset="0"/>
+                <a:cs typeface="Times New Roman" panose="02020603050405020304" pitchFamily="18" charset="0"/>
+              </a:rPr>
+              <a:t> </a:t>
+            </a:r>
+            <a:r>
+              <a:rPr lang="en-US" dirty="0" err="1">
+                <a:latin typeface="Times New Roman" panose="02020603050405020304" pitchFamily="18" charset="0"/>
+                <a:cs typeface="Times New Roman" panose="02020603050405020304" pitchFamily="18" charset="0"/>
+              </a:rPr>
+              <a:t>izstrādātos</a:t>
+            </a:r>
+            <a:r>
+              <a:rPr lang="en-US" dirty="0">
+                <a:latin typeface="Times New Roman" panose="02020603050405020304" pitchFamily="18" charset="0"/>
+                <a:cs typeface="Times New Roman" panose="02020603050405020304" pitchFamily="18" charset="0"/>
+              </a:rPr>
+              <a:t> </a:t>
+            </a:r>
+            <a:r>
+              <a:rPr lang="en-US" dirty="0" err="1">
+                <a:latin typeface="Times New Roman" panose="02020603050405020304" pitchFamily="18" charset="0"/>
+                <a:cs typeface="Times New Roman" panose="02020603050405020304" pitchFamily="18" charset="0"/>
+              </a:rPr>
+              <a:t>rīkus</a:t>
+            </a:r>
+            <a:r>
+              <a:rPr lang="lv-LV" dirty="0">
+                <a:latin typeface="Times New Roman" panose="02020603050405020304" pitchFamily="18" charset="0"/>
+                <a:cs typeface="Times New Roman" panose="02020603050405020304" pitchFamily="18" charset="0"/>
+              </a:rPr>
+              <a:t>.</a:t>
+            </a:r>
           </a:p>
           <a:p>
             <a:endParaRPr lang="lv-LV" dirty="0">
@@ -5236,7 +5523,7 @@
                 <a:latin typeface="Times New Roman" panose="02020603050405020304" pitchFamily="18" charset="0"/>
                 <a:cs typeface="Times New Roman" panose="02020603050405020304" pitchFamily="18" charset="0"/>
               </a:rPr>
-              <a:t>. Vēlamies augstāku abstrakcijas līmeni</a:t>
+              <a:t> (vēlamies augstāku abstrakcijas līmeni)</a:t>
             </a:r>
             <a:r>
               <a:rPr lang="en-US" dirty="0">
@@ -5262,7 +5549,7 @@
                 <a:latin typeface="Times New Roman" panose="02020603050405020304" pitchFamily="18" charset="0"/>
                 <a:cs typeface="Times New Roman" panose="02020603050405020304" pitchFamily="18" charset="0"/>
               </a:rPr>
-              <a:t>Nav iespējams strādāt ar tīmekļa atmiņas objektiem kā ar dotas programmēšanas valodas objektiem. Vēlamies C# koda ģeneratoru.</a:t>
+              <a:t>Nav iespējams strādāt ar tīmekļa atmiņas objektiem kā ar dotas programmēšanas valodas objektiem (vēlamies C# koda ģeneratoru).</a:t>
             </a:r>
           </a:p>
         </p:txBody>
@@ -5685,6 +5972,517 @@
       </p:grpSpPr>
       <p:sp>
         <p:nvSpPr>
+          <p:cNvPr id="2" name="Virsraksts 1">
+            <a:extLst>
+              <a:ext uri="{FF2B5EF4-FFF2-40B4-BE49-F238E27FC236}">
+                <a16:creationId xmlns:a16="http://schemas.microsoft.com/office/drawing/2014/main" id="{FA6DBA6D-5249-471D-88C3-139954777EF9}"/>
+              </a:ext>
+            </a:extLst>
+          </p:cNvPr>
+          <p:cNvSpPr>
+            <a:spLocks noGrp="1"/>
+          </p:cNvSpPr>
+          <p:nvPr>
+            <p:ph type="title"/>
+          </p:nvPr>
+        </p:nvSpPr>
+        <p:spPr/>
+        <p:txBody>
+          <a:bodyPr/>
+          <a:lstStyle/>
+          <a:p>
+            <a:r>
+              <a:rPr lang="lv-LV" dirty="0"/>
+              <a:t>WAOS C# sintakse</a:t>
+            </a:r>
+          </a:p>
+        </p:txBody>
+      </p:sp>
+      <p:sp>
+        <p:nvSpPr>
+          <p:cNvPr id="3" name="Satura vietturis 2">
+            <a:extLst>
+              <a:ext uri="{FF2B5EF4-FFF2-40B4-BE49-F238E27FC236}">
+                <a16:creationId xmlns:a16="http://schemas.microsoft.com/office/drawing/2014/main" id="{07213DD3-DA04-43B3-9D07-1EFEF01D9DCB}"/>
+              </a:ext>
+            </a:extLst>
+          </p:cNvPr>
+          <p:cNvSpPr>
+            <a:spLocks noGrp="1"/>
+          </p:cNvSpPr>
+          <p:nvPr>
+            <p:ph idx="1"/>
+          </p:nvPr>
+        </p:nvSpPr>
+        <p:spPr>
+          <a:xfrm>
+            <a:off x="838200" y="1825625"/>
+            <a:ext cx="10515600" cy="4667250"/>
+          </a:xfrm>
+        </p:spPr>
+        <p:txBody>
+          <a:bodyPr>
+            <a:normAutofit/>
+          </a:bodyPr>
+          <a:lstStyle/>
+          <a:p>
+            <a:pPr marL="0" indent="0">
+              <a:buNone/>
+            </a:pPr>
+            <a:r>
+              <a:rPr lang="lv-LV" b="1" dirty="0" err="1">
+                <a:solidFill>
+                  <a:srgbClr val="FF0000"/>
+                </a:solidFill>
+                <a:latin typeface="Consolas" panose="020B0609020204030204" pitchFamily="49" charset="0"/>
+              </a:rPr>
+              <a:t>class</a:t>
+            </a:r>
+            <a:r>
+              <a:rPr lang="lv-LV" dirty="0">
+                <a:latin typeface="Consolas" panose="020B0609020204030204" pitchFamily="49" charset="0"/>
+              </a:rPr>
+              <a:t> </a:t>
+            </a:r>
+            <a:r>
+              <a:rPr lang="lv-LV" dirty="0" err="1">
+                <a:latin typeface="Consolas" panose="020B0609020204030204" pitchFamily="49" charset="0"/>
+              </a:rPr>
+              <a:t>className</a:t>
+            </a:r>
+            <a:r>
+              <a:rPr lang="lv-LV" dirty="0">
+                <a:latin typeface="Consolas" panose="020B0609020204030204" pitchFamily="49" charset="0"/>
+              </a:rPr>
+              <a:t> : </a:t>
+            </a:r>
+            <a:r>
+              <a:rPr lang="lv-LV" dirty="0" err="1">
+                <a:latin typeface="Consolas" panose="020B0609020204030204" pitchFamily="49" charset="0"/>
+              </a:rPr>
+              <a:t>superClass</a:t>
+            </a:r>
+            <a:endParaRPr lang="lv-LV" dirty="0">
+              <a:latin typeface="Consolas" panose="020B0609020204030204" pitchFamily="49" charset="0"/>
+            </a:endParaRPr>
+          </a:p>
+          <a:p>
+            <a:pPr marL="0" indent="0">
+              <a:buNone/>
+            </a:pPr>
+            <a:r>
+              <a:rPr lang="lv-LV" dirty="0">
+                <a:latin typeface="Consolas" panose="020B0609020204030204" pitchFamily="49" charset="0"/>
+              </a:rPr>
+              <a:t>{</a:t>
+            </a:r>
+          </a:p>
+          <a:p>
+            <a:pPr marL="0" indent="0">
+              <a:buNone/>
+            </a:pPr>
+            <a:r>
+              <a:rPr lang="lv-LV" dirty="0">
+                <a:latin typeface="Consolas" panose="020B0609020204030204" pitchFamily="49" charset="0"/>
+              </a:rPr>
+              <a:t>	</a:t>
+            </a:r>
+            <a:r>
+              <a:rPr lang="lv-LV" dirty="0" err="1">
+                <a:latin typeface="Consolas" panose="020B0609020204030204" pitchFamily="49" charset="0"/>
+              </a:rPr>
+              <a:t>public</a:t>
+            </a:r>
+            <a:r>
+              <a:rPr lang="lv-LV" dirty="0">
+                <a:latin typeface="Consolas" panose="020B0609020204030204" pitchFamily="49" charset="0"/>
+              </a:rPr>
+              <a:t> </a:t>
+            </a:r>
+            <a:r>
+              <a:rPr lang="lv-LV" dirty="0" err="1">
+                <a:latin typeface="Consolas" panose="020B0609020204030204" pitchFamily="49" charset="0"/>
+              </a:rPr>
+              <a:t>Integer</a:t>
+            </a:r>
+            <a:r>
+              <a:rPr lang="lv-LV" dirty="0">
+                <a:latin typeface="Consolas" panose="020B0609020204030204" pitchFamily="49" charset="0"/>
+              </a:rPr>
+              <a:t> _</a:t>
+            </a:r>
+            <a:r>
+              <a:rPr lang="lv-LV" dirty="0" err="1">
+                <a:latin typeface="Consolas" panose="020B0609020204030204" pitchFamily="49" charset="0"/>
+              </a:rPr>
+              <a:t>int</a:t>
+            </a:r>
+            <a:r>
+              <a:rPr lang="lv-LV" dirty="0">
+                <a:latin typeface="Consolas" panose="020B0609020204030204" pitchFamily="49" charset="0"/>
+              </a:rPr>
+              <a:t>;</a:t>
+            </a:r>
+          </a:p>
+          <a:p>
+            <a:pPr marL="0" indent="0">
+              <a:buNone/>
+            </a:pPr>
+            <a:endParaRPr lang="lv-LV" dirty="0">
+              <a:latin typeface="Consolas" panose="020B0609020204030204" pitchFamily="49" charset="0"/>
+            </a:endParaRPr>
+          </a:p>
+          <a:p>
+            <a:pPr marL="0" indent="0">
+              <a:buNone/>
+            </a:pPr>
+            <a:r>
+              <a:rPr lang="lv-LV" dirty="0">
+                <a:latin typeface="Consolas" panose="020B0609020204030204" pitchFamily="49" charset="0"/>
+              </a:rPr>
+              <a:t>	[URL(</a:t>
+            </a:r>
+            <a:r>
+              <a:rPr lang="en-US" dirty="0">
+                <a:latin typeface="Consolas" panose="020B0609020204030204" pitchFamily="49" charset="0"/>
+              </a:rPr>
+              <a:t>“</a:t>
+            </a:r>
+            <a:r>
+              <a:rPr lang="lv-LV" dirty="0" err="1">
+                <a:latin typeface="Consolas" panose="020B0609020204030204" pitchFamily="49" charset="0"/>
+              </a:rPr>
+              <a:t>dotnet:local:mynamespace.myclass#method</a:t>
+            </a:r>
+            <a:r>
+              <a:rPr lang="en-US" dirty="0">
+                <a:latin typeface="Consolas" panose="020B0609020204030204" pitchFamily="49" charset="0"/>
+              </a:rPr>
+              <a:t>”</a:t>
+            </a:r>
+            <a:r>
+              <a:rPr lang="lv-LV" dirty="0">
+                <a:latin typeface="Consolas" panose="020B0609020204030204" pitchFamily="49" charset="0"/>
+              </a:rPr>
+              <a:t>)]</a:t>
+            </a:r>
+          </a:p>
+          <a:p>
+            <a:pPr marL="0" indent="0">
+              <a:buNone/>
+            </a:pPr>
+            <a:r>
+              <a:rPr lang="lv-LV" dirty="0">
+                <a:latin typeface="Consolas" panose="020B0609020204030204" pitchFamily="49" charset="0"/>
+              </a:rPr>
+              <a:t>	</a:t>
+            </a:r>
+            <a:r>
+              <a:rPr lang="lv-LV" dirty="0" err="1">
+                <a:latin typeface="Consolas" panose="020B0609020204030204" pitchFamily="49" charset="0"/>
+              </a:rPr>
+              <a:t>public</a:t>
+            </a:r>
+            <a:r>
+              <a:rPr lang="lv-LV" dirty="0">
+                <a:latin typeface="Consolas" panose="020B0609020204030204" pitchFamily="49" charset="0"/>
+              </a:rPr>
+              <a:t> </a:t>
+            </a:r>
+            <a:r>
+              <a:rPr lang="lv-LV" dirty="0" err="1">
+                <a:latin typeface="Consolas" panose="020B0609020204030204" pitchFamily="49" charset="0"/>
+              </a:rPr>
+              <a:t>String</a:t>
+            </a:r>
+            <a:r>
+              <a:rPr lang="lv-LV" dirty="0">
+                <a:latin typeface="Consolas" panose="020B0609020204030204" pitchFamily="49" charset="0"/>
+              </a:rPr>
+              <a:t> _</a:t>
+            </a:r>
+            <a:r>
+              <a:rPr lang="lv-LV" dirty="0" err="1">
+                <a:latin typeface="Consolas" panose="020B0609020204030204" pitchFamily="49" charset="0"/>
+              </a:rPr>
+              <a:t>str</a:t>
+            </a:r>
+            <a:r>
+              <a:rPr lang="lv-LV" dirty="0">
+                <a:latin typeface="Consolas" panose="020B0609020204030204" pitchFamily="49" charset="0"/>
+              </a:rPr>
+              <a:t> (</a:t>
+            </a:r>
+            <a:r>
+              <a:rPr lang="lv-LV" dirty="0" err="1">
+                <a:latin typeface="Consolas" panose="020B0609020204030204" pitchFamily="49" charset="0"/>
+              </a:rPr>
+              <a:t>String</a:t>
+            </a:r>
+            <a:r>
+              <a:rPr lang="lv-LV" dirty="0">
+                <a:latin typeface="Consolas" panose="020B0609020204030204" pitchFamily="49" charset="0"/>
+              </a:rPr>
+              <a:t> a);</a:t>
+            </a:r>
+          </a:p>
+          <a:p>
+            <a:pPr marL="0" indent="0">
+              <a:buNone/>
+            </a:pPr>
+            <a:r>
+              <a:rPr lang="lv-LV" dirty="0">
+                <a:latin typeface="Consolas" panose="020B0609020204030204" pitchFamily="49" charset="0"/>
+              </a:rPr>
+              <a:t>}</a:t>
+            </a:r>
+          </a:p>
+          <a:p>
+            <a:pPr marL="0" indent="0">
+              <a:buNone/>
+            </a:pPr>
+            <a:endParaRPr lang="lv-LV" dirty="0">
+              <a:latin typeface="Consolas" panose="020B0609020204030204" pitchFamily="49" charset="0"/>
+            </a:endParaRPr>
+          </a:p>
+          <a:p>
+            <a:pPr marL="0" indent="0">
+              <a:buNone/>
+            </a:pPr>
+            <a:r>
+              <a:rPr lang="lv-LV" b="1" dirty="0" err="1">
+                <a:solidFill>
+                  <a:srgbClr val="FF0000"/>
+                </a:solidFill>
+                <a:latin typeface="Consolas" panose="020B0609020204030204" pitchFamily="49" charset="0"/>
+              </a:rPr>
+              <a:t>association</a:t>
+            </a:r>
+            <a:r>
+              <a:rPr lang="lv-LV" dirty="0">
+                <a:latin typeface="Consolas" panose="020B0609020204030204" pitchFamily="49" charset="0"/>
+              </a:rPr>
+              <a:t>(source:class1&lt;-&gt;target:class2)</a:t>
+            </a:r>
+          </a:p>
+        </p:txBody>
+      </p:sp>
+    </p:spTree>
+    <p:extLst>
+      <p:ext uri="{BB962C8B-B14F-4D97-AF65-F5344CB8AC3E}">
+        <p14:creationId xmlns:p14="http://schemas.microsoft.com/office/powerpoint/2010/main" val="557875525"/>
+      </p:ext>
+    </p:extLst>
+  </p:cSld>
+  <p:clrMapOvr>
+    <a:masterClrMapping/>
+  </p:clrMapOvr>
+</p:sld>
+</file>
+
+<file path=ppt/slides/slide8.xml><?xml version="1.0" encoding="utf-8"?>
+<p:sld xmlns:a="http://schemas.openxmlformats.org/drawingml/2006/main" xmlns:r="http://schemas.openxmlformats.org/officeDocument/2006/relationships" xmlns:p="http://schemas.openxmlformats.org/presentationml/2006/main">
+  <p:cSld>
+    <p:spTree>
+      <p:nvGrpSpPr>
+        <p:cNvPr id="1" name=""/>
+        <p:cNvGrpSpPr/>
+        <p:nvPr/>
+      </p:nvGrpSpPr>
+      <p:grpSpPr>
+        <a:xfrm>
+          <a:off x="0" y="0"/>
+          <a:ext cx="0" cy="0"/>
+          <a:chOff x="0" y="0"/>
+          <a:chExt cx="0" cy="0"/>
+        </a:xfrm>
+      </p:grpSpPr>
+      <p:sp>
+        <p:nvSpPr>
+          <p:cNvPr id="2" name="Virsraksts 1">
+            <a:extLst>
+              <a:ext uri="{FF2B5EF4-FFF2-40B4-BE49-F238E27FC236}">
+                <a16:creationId xmlns:a16="http://schemas.microsoft.com/office/drawing/2014/main" id="{5CAD3F95-8AAD-47E6-AE78-9F0FAC23B9A2}"/>
+              </a:ext>
+            </a:extLst>
+          </p:cNvPr>
+          <p:cNvSpPr>
+            <a:spLocks noGrp="1"/>
+          </p:cNvSpPr>
+          <p:nvPr>
+            <p:ph type="title"/>
+          </p:nvPr>
+        </p:nvSpPr>
+        <p:spPr/>
+        <p:txBody>
+          <a:bodyPr/>
+          <a:lstStyle/>
+          <a:p>
+            <a:r>
+              <a:rPr lang="lv-LV" dirty="0"/>
+              <a:t>Kompilatora un ģeneratora darbība</a:t>
+            </a:r>
+          </a:p>
+        </p:txBody>
+      </p:sp>
+      <p:sp>
+        <p:nvSpPr>
+          <p:cNvPr id="3" name="Satura vietturis 2">
+            <a:extLst>
+              <a:ext uri="{FF2B5EF4-FFF2-40B4-BE49-F238E27FC236}">
+                <a16:creationId xmlns:a16="http://schemas.microsoft.com/office/drawing/2014/main" id="{6A67B0C0-519A-435F-AD09-D4299A26127F}"/>
+              </a:ext>
+            </a:extLst>
+          </p:cNvPr>
+          <p:cNvSpPr>
+            <a:spLocks noGrp="1"/>
+          </p:cNvSpPr>
+          <p:nvPr>
+            <p:ph idx="1"/>
+          </p:nvPr>
+        </p:nvSpPr>
+        <p:spPr>
+          <a:xfrm>
+            <a:off x="838200" y="1825625"/>
+            <a:ext cx="7353300" cy="4351338"/>
+          </a:xfrm>
+        </p:spPr>
+        <p:txBody>
+          <a:bodyPr/>
+          <a:lstStyle/>
+          <a:p>
+            <a:r>
+              <a:rPr lang="lv-LV" dirty="0"/>
+              <a:t>Kompilatora tiek veiktas 3 lietas</a:t>
+            </a:r>
+          </a:p>
+          <a:p>
+            <a:pPr marL="971550" lvl="1" indent="-514350">
+              <a:buFont typeface="+mj-lt"/>
+              <a:buAutoNum type="arabicPeriod"/>
+            </a:pPr>
+            <a:r>
+              <a:rPr lang="lv-LV" dirty="0"/>
+              <a:t>Pārbauda </a:t>
+            </a:r>
+            <a:r>
+              <a:rPr lang="lv-LV" dirty="0" err="1"/>
+              <a:t>vārdtelpas</a:t>
+            </a:r>
+            <a:r>
+              <a:rPr lang="lv-LV" dirty="0"/>
+              <a:t> (</a:t>
+            </a:r>
+            <a:r>
+              <a:rPr lang="lv-LV" dirty="0" err="1"/>
+              <a:t>namespace</a:t>
+            </a:r>
+            <a:r>
+              <a:rPr lang="lv-LV" dirty="0"/>
+              <a:t>) formātu</a:t>
+            </a:r>
+          </a:p>
+          <a:p>
+            <a:pPr marL="971550" lvl="1" indent="-514350">
+              <a:buFont typeface="+mj-lt"/>
+              <a:buAutoNum type="arabicPeriod"/>
+            </a:pPr>
+            <a:r>
+              <a:rPr lang="lv-LV" dirty="0"/>
+              <a:t>Kompilē kodu (iegūst klases, asociācijas, pārbauda koda pareizību)</a:t>
+            </a:r>
+          </a:p>
+          <a:p>
+            <a:pPr marL="971550" lvl="1" indent="-514350">
+              <a:buFont typeface="+mj-lt"/>
+              <a:buAutoNum type="arabicPeriod"/>
+            </a:pPr>
+            <a:r>
+              <a:rPr lang="lv-LV" dirty="0"/>
+              <a:t>Ģenerē kodu (ja nav pieļautas kļūdas kodā vai </a:t>
+            </a:r>
+            <a:r>
+              <a:rPr lang="lv-LV" dirty="0" err="1"/>
+              <a:t>vārdtelpā</a:t>
+            </a:r>
+            <a:r>
+              <a:rPr lang="lv-LV" dirty="0"/>
+              <a:t>).</a:t>
+            </a:r>
+          </a:p>
+        </p:txBody>
+      </p:sp>
+      <p:pic>
+        <p:nvPicPr>
+          <p:cNvPr id="4" name="Attēls 3">
+            <a:extLst>
+              <a:ext uri="{FF2B5EF4-FFF2-40B4-BE49-F238E27FC236}">
+                <a16:creationId xmlns:a16="http://schemas.microsoft.com/office/drawing/2014/main" id="{CA543D46-CC7A-4792-8C67-D83F54BEE335}"/>
+              </a:ext>
+            </a:extLst>
+          </p:cNvPr>
+          <p:cNvPicPr>
+            <a:picLocks noChangeAspect="1"/>
+          </p:cNvPicPr>
+          <p:nvPr/>
+        </p:nvPicPr>
+        <p:blipFill rotWithShape="1">
+          <a:blip r:embed="rId2" cstate="print">
+            <a:extLst>
+              <a:ext uri="{28A0092B-C50C-407E-A947-70E740481C1C}">
+                <a14:useLocalDpi xmlns:a14="http://schemas.microsoft.com/office/drawing/2010/main" val="0"/>
+              </a:ext>
+            </a:extLst>
+          </a:blip>
+          <a:srcRect r="50242"/>
+          <a:stretch/>
+        </p:blipFill>
+        <p:spPr bwMode="auto">
+          <a:xfrm>
+            <a:off x="8724265" y="324877"/>
+            <a:ext cx="3391535" cy="6167998"/>
+          </a:xfrm>
+          <a:prstGeom prst="rect">
+            <a:avLst/>
+          </a:prstGeom>
+          <a:noFill/>
+          <a:ln>
+            <a:noFill/>
+          </a:ln>
+        </p:spPr>
+      </p:pic>
+    </p:spTree>
+    <p:extLst>
+      <p:ext uri="{BB962C8B-B14F-4D97-AF65-F5344CB8AC3E}">
+        <p14:creationId xmlns:p14="http://schemas.microsoft.com/office/powerpoint/2010/main" val="3155571597"/>
+      </p:ext>
+    </p:extLst>
+  </p:cSld>
+  <p:clrMapOvr>
+    <a:masterClrMapping/>
+  </p:clrMapOvr>
+</p:sld>
+</file>
+
+<file path=ppt/slides/slide9.xml><?xml version="1.0" encoding="utf-8"?>
+<p:sld xmlns:a="http://schemas.openxmlformats.org/drawingml/2006/main" xmlns:r="http://schemas.openxmlformats.org/officeDocument/2006/relationships" xmlns:p="http://schemas.openxmlformats.org/presentationml/2006/main">
+  <p:cSld>
+    <p:spTree>
+      <p:nvGrpSpPr>
+        <p:cNvPr id="1" name=""/>
+        <p:cNvGrpSpPr/>
+        <p:nvPr/>
+      </p:nvGrpSpPr>
+      <p:grpSpPr>
+        <a:xfrm>
+          <a:off x="0" y="0"/>
+          <a:ext cx="0" cy="0"/>
+          <a:chOff x="0" y="0"/>
+          <a:chExt cx="0" cy="0"/>
+        </a:xfrm>
+      </p:grpSpPr>
+      <p:sp>
+        <p:nvSpPr>
           <p:cNvPr id="2" name="Title 1">
             <a:extLst>
               <a:ext uri="{FF2B5EF4-FFF2-40B4-BE49-F238E27FC236}">
@@ -5763,377 +6561,6 @@
     <p:extLst>
       <p:ext uri="{BB962C8B-B14F-4D97-AF65-F5344CB8AC3E}">
         <p14:creationId xmlns:p14="http://schemas.microsoft.com/office/powerpoint/2010/main" val="1754635803"/>
-      </p:ext>
-    </p:extLst>
-  </p:cSld>
-  <p:clrMapOvr>
-    <a:masterClrMapping/>
-  </p:clrMapOvr>
-</p:sld>
-</file>
-
-<file path=ppt/slides/slide8.xml><?xml version="1.0" encoding="utf-8"?>
-<p:sld xmlns:a="http://schemas.openxmlformats.org/drawingml/2006/main" xmlns:r="http://schemas.openxmlformats.org/officeDocument/2006/relationships" xmlns:p="http://schemas.openxmlformats.org/presentationml/2006/main">
-  <p:cSld>
-    <p:spTree>
-      <p:nvGrpSpPr>
-        <p:cNvPr id="1" name=""/>
-        <p:cNvGrpSpPr/>
-        <p:nvPr/>
-      </p:nvGrpSpPr>
-      <p:grpSpPr>
-        <a:xfrm>
-          <a:off x="0" y="0"/>
-          <a:ext cx="0" cy="0"/>
-          <a:chOff x="0" y="0"/>
-          <a:chExt cx="0" cy="0"/>
-        </a:xfrm>
-      </p:grpSpPr>
-      <p:sp>
-        <p:nvSpPr>
-          <p:cNvPr id="2" name="Virsraksts 1">
-            <a:extLst>
-              <a:ext uri="{FF2B5EF4-FFF2-40B4-BE49-F238E27FC236}">
-                <a16:creationId xmlns:a16="http://schemas.microsoft.com/office/drawing/2014/main" id="{76A6A1F6-3E7E-470C-AD52-7FAB05B430DE}"/>
-              </a:ext>
-            </a:extLst>
-          </p:cNvPr>
-          <p:cNvSpPr>
-            <a:spLocks noGrp="1"/>
-          </p:cNvSpPr>
-          <p:nvPr>
-            <p:ph type="title"/>
-          </p:nvPr>
-        </p:nvSpPr>
-        <p:spPr/>
-        <p:txBody>
-          <a:bodyPr/>
-          <a:lstStyle/>
-          <a:p>
-            <a:r>
-              <a:rPr lang="lv-LV" dirty="0">
-                <a:latin typeface="Times New Roman" panose="02020603050405020304" pitchFamily="18" charset="0"/>
-                <a:cs typeface="Times New Roman" panose="02020603050405020304" pitchFamily="18" charset="0"/>
-              </a:rPr>
-              <a:t>Risinājums </a:t>
-            </a:r>
-            <a:r>
-              <a:rPr lang="en-US" dirty="0">
-                <a:latin typeface="Times New Roman" panose="02020603050405020304" pitchFamily="18" charset="0"/>
-                <a:cs typeface="Times New Roman" panose="02020603050405020304" pitchFamily="18" charset="0"/>
-              </a:rPr>
-              <a:t>OOP API</a:t>
-            </a:r>
-            <a:endParaRPr lang="lv-LV" dirty="0">
-              <a:latin typeface="Times New Roman" panose="02020603050405020304" pitchFamily="18" charset="0"/>
-              <a:cs typeface="Times New Roman" panose="02020603050405020304" pitchFamily="18" charset="0"/>
-            </a:endParaRPr>
-          </a:p>
-        </p:txBody>
-      </p:sp>
-      <p:sp>
-        <p:nvSpPr>
-          <p:cNvPr id="3" name="Satura vietturis 2">
-            <a:extLst>
-              <a:ext uri="{FF2B5EF4-FFF2-40B4-BE49-F238E27FC236}">
-                <a16:creationId xmlns:a16="http://schemas.microsoft.com/office/drawing/2014/main" id="{FBEEF258-DDDB-46A5-A51C-4D22C189350C}"/>
-              </a:ext>
-            </a:extLst>
-          </p:cNvPr>
-          <p:cNvSpPr>
-            <a:spLocks noGrp="1"/>
-          </p:cNvSpPr>
-          <p:nvPr>
-            <p:ph idx="1"/>
-          </p:nvPr>
-        </p:nvSpPr>
-        <p:spPr/>
-        <p:txBody>
-          <a:bodyPr/>
-          <a:lstStyle/>
-          <a:p>
-            <a:r>
-              <a:rPr lang="en-US" dirty="0">
-                <a:latin typeface="Times New Roman" panose="02020603050405020304" pitchFamily="18" charset="0"/>
-                <a:cs typeface="Times New Roman" panose="02020603050405020304" pitchFamily="18" charset="0"/>
-              </a:rPr>
-              <a:t>RAAPI – </a:t>
-            </a:r>
-            <a:r>
-              <a:rPr lang="lv-LV" dirty="0">
-                <a:effectLst/>
-                <a:latin typeface="Times New Roman" panose="02020603050405020304" pitchFamily="18" charset="0"/>
-                <a:ea typeface="Times New Roman" panose="02020603050405020304" pitchFamily="18" charset="0"/>
-                <a:cs typeface="Times New Roman" panose="02020603050405020304" pitchFamily="18" charset="0"/>
-              </a:rPr>
-              <a:t>universāla zema līmeņa saskarne, kas nodrošina piekļuvi tīmekļa atmiņai </a:t>
-            </a:r>
-          </a:p>
-          <a:p>
-            <a:pPr lvl="1"/>
-            <a:r>
-              <a:rPr lang="lv-LV" dirty="0">
-                <a:effectLst/>
-                <a:latin typeface="Times New Roman" panose="02020603050405020304" pitchFamily="18" charset="0"/>
-                <a:ea typeface="Times New Roman" panose="02020603050405020304" pitchFamily="18" charset="0"/>
-                <a:cs typeface="Times New Roman" panose="02020603050405020304" pitchFamily="18" charset="0"/>
-              </a:rPr>
-              <a:t>tīmekļa atmiņa ir </a:t>
-            </a:r>
-            <a:r>
-              <a:rPr lang="en-US" i="1" dirty="0">
-                <a:effectLst/>
-                <a:latin typeface="Times New Roman" panose="02020603050405020304" pitchFamily="18" charset="0"/>
-                <a:ea typeface="Times New Roman" panose="02020603050405020304" pitchFamily="18" charset="0"/>
-                <a:cs typeface="Times New Roman" panose="02020603050405020304" pitchFamily="18" charset="0"/>
-              </a:rPr>
-              <a:t>in-memory</a:t>
-            </a:r>
-            <a:r>
-              <a:rPr lang="en-US" dirty="0">
-                <a:effectLst/>
-                <a:latin typeface="Times New Roman" panose="02020603050405020304" pitchFamily="18" charset="0"/>
-                <a:ea typeface="Times New Roman" panose="02020603050405020304" pitchFamily="18" charset="0"/>
-                <a:cs typeface="Times New Roman" panose="02020603050405020304" pitchFamily="18" charset="0"/>
-              </a:rPr>
-              <a:t> </a:t>
-            </a:r>
-            <a:r>
-              <a:rPr lang="lv-LV" dirty="0">
-                <a:effectLst/>
-                <a:latin typeface="Times New Roman" panose="02020603050405020304" pitchFamily="18" charset="0"/>
-                <a:ea typeface="Times New Roman" panose="02020603050405020304" pitchFamily="18" charset="0"/>
-                <a:cs typeface="Times New Roman" panose="02020603050405020304" pitchFamily="18" charset="0"/>
-              </a:rPr>
-              <a:t>modeļa repozitorijs</a:t>
-            </a:r>
-          </a:p>
-          <a:p>
-            <a:pPr marL="0" indent="0">
-              <a:buNone/>
-            </a:pPr>
-            <a:endParaRPr lang="lv-LV" dirty="0">
-              <a:latin typeface="Times New Roman" panose="02020603050405020304" pitchFamily="18" charset="0"/>
-              <a:cs typeface="Times New Roman" panose="02020603050405020304" pitchFamily="18" charset="0"/>
-            </a:endParaRPr>
-          </a:p>
-          <a:p>
-            <a:r>
-              <a:rPr lang="lv-LV" dirty="0">
-                <a:latin typeface="Times New Roman" panose="02020603050405020304" pitchFamily="18" charset="0"/>
-                <a:cs typeface="Times New Roman" panose="02020603050405020304" pitchFamily="18" charset="0"/>
-              </a:rPr>
-              <a:t>LINQ – datu iegūšanai no </a:t>
-            </a:r>
-            <a:r>
-              <a:rPr lang="en-US" dirty="0">
-                <a:latin typeface="Times New Roman" panose="02020603050405020304" pitchFamily="18" charset="0"/>
-                <a:cs typeface="Times New Roman" panose="02020603050405020304" pitchFamily="18" charset="0"/>
-              </a:rPr>
-              <a:t>RAAPI un </a:t>
-            </a:r>
-            <a:r>
-              <a:rPr lang="lv-LV" dirty="0">
-                <a:latin typeface="Times New Roman" panose="02020603050405020304" pitchFamily="18" charset="0"/>
-                <a:cs typeface="Times New Roman" panose="02020603050405020304" pitchFamily="18" charset="0"/>
-              </a:rPr>
-              <a:t>pārveidošana uz </a:t>
-            </a:r>
-            <a:r>
-              <a:rPr lang="en-US" dirty="0">
-                <a:latin typeface="Times New Roman" panose="02020603050405020304" pitchFamily="18" charset="0"/>
-                <a:cs typeface="Times New Roman" panose="02020603050405020304" pitchFamily="18" charset="0"/>
-              </a:rPr>
-              <a:t>OOP.</a:t>
-            </a:r>
-            <a:endParaRPr lang="lv-LV" dirty="0">
-              <a:latin typeface="Times New Roman" panose="02020603050405020304" pitchFamily="18" charset="0"/>
-              <a:cs typeface="Times New Roman" panose="02020603050405020304" pitchFamily="18" charset="0"/>
-            </a:endParaRPr>
-          </a:p>
-          <a:p>
-            <a:pPr marL="0" indent="0">
-              <a:buNone/>
-            </a:pPr>
-            <a:endParaRPr lang="en-US" dirty="0">
-              <a:latin typeface="Times New Roman" panose="02020603050405020304" pitchFamily="18" charset="0"/>
-              <a:cs typeface="Times New Roman" panose="02020603050405020304" pitchFamily="18" charset="0"/>
-            </a:endParaRPr>
-          </a:p>
-          <a:p>
-            <a:r>
-              <a:rPr lang="lv-LV" dirty="0">
-                <a:latin typeface="Times New Roman" panose="02020603050405020304" pitchFamily="18" charset="0"/>
-                <a:cs typeface="Times New Roman" panose="02020603050405020304" pitchFamily="18" charset="0"/>
-              </a:rPr>
-              <a:t>Pašveidotas datu struktūras </a:t>
-            </a:r>
-            <a:r>
-              <a:rPr lang="en-US" dirty="0">
-                <a:latin typeface="Times New Roman" panose="02020603050405020304" pitchFamily="18" charset="0"/>
-                <a:cs typeface="Times New Roman" panose="02020603050405020304" pitchFamily="18" charset="0"/>
-              </a:rPr>
-              <a:t>RAAPI</a:t>
-            </a:r>
-            <a:r>
-              <a:rPr lang="lv-LV" dirty="0">
-                <a:latin typeface="Times New Roman" panose="02020603050405020304" pitchFamily="18" charset="0"/>
-                <a:cs typeface="Times New Roman" panose="02020603050405020304" pitchFamily="18" charset="0"/>
-              </a:rPr>
-              <a:t> informācijas glabāšanai.</a:t>
-            </a:r>
-          </a:p>
-          <a:p>
-            <a:endParaRPr lang="lv-LV" dirty="0">
-              <a:latin typeface="Times New Roman" panose="02020603050405020304" pitchFamily="18" charset="0"/>
-              <a:cs typeface="Times New Roman" panose="02020603050405020304" pitchFamily="18" charset="0"/>
-            </a:endParaRPr>
-          </a:p>
-          <a:p>
-            <a:pPr marL="0" indent="0">
-              <a:buNone/>
-            </a:pPr>
-            <a:endParaRPr lang="en-US" dirty="0">
-              <a:latin typeface="Times New Roman" panose="02020603050405020304" pitchFamily="18" charset="0"/>
-              <a:cs typeface="Times New Roman" panose="02020603050405020304" pitchFamily="18" charset="0"/>
-            </a:endParaRPr>
-          </a:p>
-          <a:p>
-            <a:endParaRPr lang="en-US" dirty="0">
-              <a:latin typeface="Times New Roman" panose="02020603050405020304" pitchFamily="18" charset="0"/>
-              <a:cs typeface="Times New Roman" panose="02020603050405020304" pitchFamily="18" charset="0"/>
-            </a:endParaRPr>
-          </a:p>
-          <a:p>
-            <a:endParaRPr lang="en-US" dirty="0">
-              <a:latin typeface="Times New Roman" panose="02020603050405020304" pitchFamily="18" charset="0"/>
-              <a:cs typeface="Times New Roman" panose="02020603050405020304" pitchFamily="18" charset="0"/>
-            </a:endParaRPr>
-          </a:p>
-          <a:p>
-            <a:endParaRPr lang="lv-LV" dirty="0">
-              <a:latin typeface="Times New Roman" panose="02020603050405020304" pitchFamily="18" charset="0"/>
-              <a:cs typeface="Times New Roman" panose="02020603050405020304" pitchFamily="18" charset="0"/>
-            </a:endParaRPr>
-          </a:p>
-          <a:p>
-            <a:endParaRPr lang="lv-LV" dirty="0">
-              <a:latin typeface="Times New Roman" panose="02020603050405020304" pitchFamily="18" charset="0"/>
-              <a:cs typeface="Times New Roman" panose="02020603050405020304" pitchFamily="18" charset="0"/>
-            </a:endParaRPr>
-          </a:p>
-        </p:txBody>
-      </p:sp>
-    </p:spTree>
-    <p:extLst>
-      <p:ext uri="{BB962C8B-B14F-4D97-AF65-F5344CB8AC3E}">
-        <p14:creationId xmlns:p14="http://schemas.microsoft.com/office/powerpoint/2010/main" val="3211450216"/>
-      </p:ext>
-    </p:extLst>
-  </p:cSld>
-  <p:clrMapOvr>
-    <a:masterClrMapping/>
-  </p:clrMapOvr>
-</p:sld>
-</file>
-
-<file path=ppt/slides/slide9.xml><?xml version="1.0" encoding="utf-8"?>
-<p:sld xmlns:a="http://schemas.openxmlformats.org/drawingml/2006/main" xmlns:r="http://schemas.openxmlformats.org/officeDocument/2006/relationships" xmlns:p="http://schemas.openxmlformats.org/presentationml/2006/main">
-  <p:cSld>
-    <p:spTree>
-      <p:nvGrpSpPr>
-        <p:cNvPr id="1" name=""/>
-        <p:cNvGrpSpPr/>
-        <p:nvPr/>
-      </p:nvGrpSpPr>
-      <p:grpSpPr>
-        <a:xfrm>
-          <a:off x="0" y="0"/>
-          <a:ext cx="0" cy="0"/>
-          <a:chOff x="0" y="0"/>
-          <a:chExt cx="0" cy="0"/>
-        </a:xfrm>
-      </p:grpSpPr>
-      <p:sp>
-        <p:nvSpPr>
-          <p:cNvPr id="2" name="Title 1">
-            <a:extLst>
-              <a:ext uri="{FF2B5EF4-FFF2-40B4-BE49-F238E27FC236}">
-                <a16:creationId xmlns:a16="http://schemas.microsoft.com/office/drawing/2014/main" id="{3084D7B8-C85A-4408-9B3D-5718631C23AD}"/>
-              </a:ext>
-            </a:extLst>
-          </p:cNvPr>
-          <p:cNvSpPr>
-            <a:spLocks noGrp="1"/>
-          </p:cNvSpPr>
-          <p:nvPr>
-            <p:ph type="title"/>
-          </p:nvPr>
-        </p:nvSpPr>
-        <p:spPr/>
-        <p:txBody>
-          <a:bodyPr/>
-          <a:lstStyle/>
-          <a:p>
-            <a:r>
-              <a:rPr lang="lv-LV" dirty="0"/>
-              <a:t>OOP API struktūra</a:t>
-            </a:r>
-            <a:endParaRPr lang="en-US" dirty="0"/>
-          </a:p>
-        </p:txBody>
-      </p:sp>
-      <p:pic>
-        <p:nvPicPr>
-          <p:cNvPr id="3" name="Picture 2">
-            <a:extLst>
-              <a:ext uri="{FF2B5EF4-FFF2-40B4-BE49-F238E27FC236}">
-                <a16:creationId xmlns:a16="http://schemas.microsoft.com/office/drawing/2014/main" id="{D64342BD-297C-4EEB-A847-1040C29B8FEE}"/>
-              </a:ext>
-            </a:extLst>
-          </p:cNvPr>
-          <p:cNvPicPr>
-            <a:picLocks noChangeAspect="1" noChangeArrowheads="1"/>
-          </p:cNvPicPr>
-          <p:nvPr/>
-        </p:nvPicPr>
-        <p:blipFill>
-          <a:blip r:embed="rId2">
-            <a:extLst>
-              <a:ext uri="{28A0092B-C50C-407E-A947-70E740481C1C}">
-                <a14:useLocalDpi xmlns:a14="http://schemas.microsoft.com/office/drawing/2010/main" val="0"/>
-              </a:ext>
-            </a:extLst>
-          </a:blip>
-          <a:srcRect/>
-          <a:stretch>
-            <a:fillRect/>
-          </a:stretch>
-        </p:blipFill>
-        <p:spPr bwMode="auto">
-          <a:xfrm>
-            <a:off x="1973350" y="1583393"/>
-            <a:ext cx="8245299" cy="4760964"/>
-          </a:xfrm>
-          <a:prstGeom prst="rect">
-            <a:avLst/>
-          </a:prstGeom>
-          <a:noFill/>
-          <a:extLst>
-            <a:ext uri="{909E8E84-426E-40DD-AFC4-6F175D3DCCD1}">
-              <a14:hiddenFill xmlns:a14="http://schemas.microsoft.com/office/drawing/2010/main">
-                <a:solidFill>
-                  <a:srgbClr val="FFFFFF"/>
-                </a:solidFill>
-              </a14:hiddenFill>
-            </a:ext>
-          </a:extLst>
-        </p:spPr>
-      </p:pic>
-    </p:spTree>
-    <p:extLst>
-      <p:ext uri="{BB962C8B-B14F-4D97-AF65-F5344CB8AC3E}">
-        <p14:creationId xmlns:p14="http://schemas.microsoft.com/office/powerpoint/2010/main" val="3215289046"/>
       </p:ext>
     </p:extLst>
   </p:cSld>

--- a/src/Qualification project/Documentation/Garbage/Prezentācija_ap19122.pptx
+++ b/src/Qualification project/Documentation/Garbage/Prezentācija_ap19122.pptx
@@ -5,7 +5,7 @@
     <p:sldMasterId id="2147483648" r:id="rId1"/>
   </p:sldMasterIdLst>
   <p:notesMasterIdLst>
-    <p:notesMasterId r:id="rId15"/>
+    <p:notesMasterId r:id="rId17"/>
   </p:notesMasterIdLst>
   <p:sldIdLst>
     <p:sldId id="256" r:id="rId2"/>
@@ -21,6 +21,8 @@
     <p:sldId id="269" r:id="rId12"/>
     <p:sldId id="265" r:id="rId13"/>
     <p:sldId id="260" r:id="rId14"/>
+    <p:sldId id="274" r:id="rId15"/>
+    <p:sldId id="273" r:id="rId16"/>
   </p:sldIdLst>
   <p:sldSz cx="12192000" cy="6858000"/>
   <p:notesSz cx="6858000" cy="9144000"/>
@@ -209,7 +211,7 @@
           <a:p>
             <a:fld id="{5AC99237-AE81-4502-832C-F0EC8127E7A0}" type="datetimeFigureOut">
               <a:rPr lang="en-US" smtClean="0"/>
-              <a:t>1/20/2022</a:t>
+              <a:t>1/21/2022</a:t>
             </a:fld>
             <a:endParaRPr lang="en-US"/>
           </a:p>
@@ -885,6 +887,90 @@
 </p:notes>
 </file>
 
+<file path=ppt/notesSlides/notesSlide4.xml><?xml version="1.0" encoding="utf-8"?>
+<p:notes xmlns:a="http://schemas.openxmlformats.org/drawingml/2006/main" xmlns:r="http://schemas.openxmlformats.org/officeDocument/2006/relationships" xmlns:p="http://schemas.openxmlformats.org/presentationml/2006/main">
+  <p:cSld>
+    <p:spTree>
+      <p:nvGrpSpPr>
+        <p:cNvPr id="1" name=""/>
+        <p:cNvGrpSpPr/>
+        <p:nvPr/>
+      </p:nvGrpSpPr>
+      <p:grpSpPr>
+        <a:xfrm>
+          <a:off x="0" y="0"/>
+          <a:ext cx="0" cy="0"/>
+          <a:chOff x="0" y="0"/>
+          <a:chExt cx="0" cy="0"/>
+        </a:xfrm>
+      </p:grpSpPr>
+      <p:sp>
+        <p:nvSpPr>
+          <p:cNvPr id="2" name="Slide Image Placeholder 1"/>
+          <p:cNvSpPr>
+            <a:spLocks noGrp="1" noRot="1" noChangeAspect="1"/>
+          </p:cNvSpPr>
+          <p:nvPr>
+            <p:ph type="sldImg"/>
+          </p:nvPr>
+        </p:nvSpPr>
+        <p:spPr/>
+      </p:sp>
+      <p:sp>
+        <p:nvSpPr>
+          <p:cNvPr id="3" name="Notes Placeholder 2"/>
+          <p:cNvSpPr>
+            <a:spLocks noGrp="1"/>
+          </p:cNvSpPr>
+          <p:nvPr>
+            <p:ph type="body" idx="1"/>
+          </p:nvPr>
+        </p:nvSpPr>
+        <p:spPr/>
+        <p:txBody>
+          <a:bodyPr/>
+          <a:lstStyle/>
+          <a:p>
+            <a:endParaRPr lang="en-US" dirty="0"/>
+          </a:p>
+        </p:txBody>
+      </p:sp>
+      <p:sp>
+        <p:nvSpPr>
+          <p:cNvPr id="4" name="Slide Number Placeholder 3"/>
+          <p:cNvSpPr>
+            <a:spLocks noGrp="1"/>
+          </p:cNvSpPr>
+          <p:nvPr>
+            <p:ph type="sldNum" sz="quarter" idx="5"/>
+          </p:nvPr>
+        </p:nvSpPr>
+        <p:spPr/>
+        <p:txBody>
+          <a:bodyPr/>
+          <a:lstStyle/>
+          <a:p>
+            <a:fld id="{113867BA-F1A9-4FE3-A7CA-EDBFF3C07837}" type="slidenum">
+              <a:rPr lang="en-US" smtClean="0"/>
+              <a:t>14</a:t>
+            </a:fld>
+            <a:endParaRPr lang="en-US"/>
+          </a:p>
+        </p:txBody>
+      </p:sp>
+    </p:spTree>
+    <p:extLst>
+      <p:ext uri="{BB962C8B-B14F-4D97-AF65-F5344CB8AC3E}">
+        <p14:creationId xmlns:p14="http://schemas.microsoft.com/office/powerpoint/2010/main" val="1469255915"/>
+      </p:ext>
+    </p:extLst>
+  </p:cSld>
+  <p:clrMapOvr>
+    <a:masterClrMapping/>
+  </p:clrMapOvr>
+</p:notes>
+</file>
+
 <file path=ppt/slideLayouts/slideLayout1.xml><?xml version="1.0" encoding="utf-8"?>
 <p:sldLayout xmlns:a="http://schemas.openxmlformats.org/drawingml/2006/main" xmlns:r="http://schemas.openxmlformats.org/officeDocument/2006/relationships" xmlns:p="http://schemas.openxmlformats.org/presentationml/2006/main" type="title" preserve="1">
   <p:cSld name="Virsraksta slaids">
@@ -1032,7 +1118,7 @@
           <a:p>
             <a:fld id="{BB9B4B36-5B9D-4BF6-87CD-36BE6F6FDA4C}" type="datetimeFigureOut">
               <a:rPr lang="lv-LV" smtClean="0"/>
-              <a:t>20.01.2022</a:t>
+              <a:t>21.01.2022</a:t>
             </a:fld>
             <a:endParaRPr lang="lv-LV"/>
           </a:p>
@@ -1230,7 +1316,7 @@
           <a:p>
             <a:fld id="{BB9B4B36-5B9D-4BF6-87CD-36BE6F6FDA4C}" type="datetimeFigureOut">
               <a:rPr lang="lv-LV" smtClean="0"/>
-              <a:t>20.01.2022</a:t>
+              <a:t>21.01.2022</a:t>
             </a:fld>
             <a:endParaRPr lang="lv-LV"/>
           </a:p>
@@ -1438,7 +1524,7 @@
           <a:p>
             <a:fld id="{BB9B4B36-5B9D-4BF6-87CD-36BE6F6FDA4C}" type="datetimeFigureOut">
               <a:rPr lang="lv-LV" smtClean="0"/>
-              <a:t>20.01.2022</a:t>
+              <a:t>21.01.2022</a:t>
             </a:fld>
             <a:endParaRPr lang="lv-LV"/>
           </a:p>
@@ -1636,7 +1722,7 @@
           <a:p>
             <a:fld id="{BB9B4B36-5B9D-4BF6-87CD-36BE6F6FDA4C}" type="datetimeFigureOut">
               <a:rPr lang="lv-LV" smtClean="0"/>
-              <a:t>20.01.2022</a:t>
+              <a:t>21.01.2022</a:t>
             </a:fld>
             <a:endParaRPr lang="lv-LV"/>
           </a:p>
@@ -1911,7 +1997,7 @@
           <a:p>
             <a:fld id="{BB9B4B36-5B9D-4BF6-87CD-36BE6F6FDA4C}" type="datetimeFigureOut">
               <a:rPr lang="lv-LV" smtClean="0"/>
-              <a:t>20.01.2022</a:t>
+              <a:t>21.01.2022</a:t>
             </a:fld>
             <a:endParaRPr lang="lv-LV"/>
           </a:p>
@@ -2176,7 +2262,7 @@
           <a:p>
             <a:fld id="{BB9B4B36-5B9D-4BF6-87CD-36BE6F6FDA4C}" type="datetimeFigureOut">
               <a:rPr lang="lv-LV" smtClean="0"/>
-              <a:t>20.01.2022</a:t>
+              <a:t>21.01.2022</a:t>
             </a:fld>
             <a:endParaRPr lang="lv-LV"/>
           </a:p>
@@ -2588,7 +2674,7 @@
           <a:p>
             <a:fld id="{BB9B4B36-5B9D-4BF6-87CD-36BE6F6FDA4C}" type="datetimeFigureOut">
               <a:rPr lang="lv-LV" smtClean="0"/>
-              <a:t>20.01.2022</a:t>
+              <a:t>21.01.2022</a:t>
             </a:fld>
             <a:endParaRPr lang="lv-LV"/>
           </a:p>
@@ -2729,7 +2815,7 @@
           <a:p>
             <a:fld id="{BB9B4B36-5B9D-4BF6-87CD-36BE6F6FDA4C}" type="datetimeFigureOut">
               <a:rPr lang="lv-LV" smtClean="0"/>
-              <a:t>20.01.2022</a:t>
+              <a:t>21.01.2022</a:t>
             </a:fld>
             <a:endParaRPr lang="lv-LV"/>
           </a:p>
@@ -2842,7 +2928,7 @@
           <a:p>
             <a:fld id="{BB9B4B36-5B9D-4BF6-87CD-36BE6F6FDA4C}" type="datetimeFigureOut">
               <a:rPr lang="lv-LV" smtClean="0"/>
-              <a:t>20.01.2022</a:t>
+              <a:t>21.01.2022</a:t>
             </a:fld>
             <a:endParaRPr lang="lv-LV"/>
           </a:p>
@@ -3153,7 +3239,7 @@
           <a:p>
             <a:fld id="{BB9B4B36-5B9D-4BF6-87CD-36BE6F6FDA4C}" type="datetimeFigureOut">
               <a:rPr lang="lv-LV" smtClean="0"/>
-              <a:t>20.01.2022</a:t>
+              <a:t>21.01.2022</a:t>
             </a:fld>
             <a:endParaRPr lang="lv-LV"/>
           </a:p>
@@ -3441,7 +3527,7 @@
           <a:p>
             <a:fld id="{BB9B4B36-5B9D-4BF6-87CD-36BE6F6FDA4C}" type="datetimeFigureOut">
               <a:rPr lang="lv-LV" smtClean="0"/>
-              <a:t>20.01.2022</a:t>
+              <a:t>21.01.2022</a:t>
             </a:fld>
             <a:endParaRPr lang="lv-LV"/>
           </a:p>
@@ -3682,7 +3768,7 @@
           <a:p>
             <a:fld id="{BB9B4B36-5B9D-4BF6-87CD-36BE6F6FDA4C}" type="datetimeFigureOut">
               <a:rPr lang="lv-LV" smtClean="0"/>
-              <a:t>20.01.2022</a:t>
+              <a:t>21.01.2022</a:t>
             </a:fld>
             <a:endParaRPr lang="lv-LV"/>
           </a:p>
@@ -4716,15 +4802,214 @@
             </a:r>
           </a:p>
           <a:p>
-            <a:endParaRPr lang="lv-LV" i="1" dirty="0">
+            <a:endParaRPr lang="en-US" i="1" dirty="0">
               <a:latin typeface="Times New Roman" panose="02020603050405020304" pitchFamily="18" charset="0"/>
               <a:cs typeface="Times New Roman" panose="02020603050405020304" pitchFamily="18" charset="0"/>
             </a:endParaRPr>
           </a:p>
           <a:p>
-            <a:pPr marL="0" indent="0">
-              <a:buNone/>
-            </a:pPr>
+            <a:r>
+              <a:rPr lang="en-US" dirty="0" err="1">
+                <a:latin typeface="Times New Roman" panose="02020603050405020304" pitchFamily="18" charset="0"/>
+                <a:cs typeface="Times New Roman" panose="02020603050405020304" pitchFamily="18" charset="0"/>
+              </a:rPr>
+              <a:t>Vajadzēja</a:t>
+            </a:r>
+            <a:r>
+              <a:rPr lang="en-US" dirty="0">
+                <a:latin typeface="Times New Roman" panose="02020603050405020304" pitchFamily="18" charset="0"/>
+                <a:cs typeface="Times New Roman" panose="02020603050405020304" pitchFamily="18" charset="0"/>
+              </a:rPr>
+              <a:t> </a:t>
+            </a:r>
+            <a:r>
+              <a:rPr lang="en-US" dirty="0" err="1">
+                <a:latin typeface="Times New Roman" panose="02020603050405020304" pitchFamily="18" charset="0"/>
+                <a:cs typeface="Times New Roman" panose="02020603050405020304" pitchFamily="18" charset="0"/>
+              </a:rPr>
+              <a:t>sadalīt</a:t>
+            </a:r>
+            <a:r>
+              <a:rPr lang="en-US" dirty="0">
+                <a:latin typeface="Times New Roman" panose="02020603050405020304" pitchFamily="18" charset="0"/>
+                <a:cs typeface="Times New Roman" panose="02020603050405020304" pitchFamily="18" charset="0"/>
+              </a:rPr>
+              <a:t> URL, tad </a:t>
+            </a:r>
+            <a:r>
+              <a:rPr lang="en-US" dirty="0" err="1">
+                <a:latin typeface="Times New Roman" panose="02020603050405020304" pitchFamily="18" charset="0"/>
+                <a:cs typeface="Times New Roman" panose="02020603050405020304" pitchFamily="18" charset="0"/>
+              </a:rPr>
+              <a:t>atrast</a:t>
+            </a:r>
+            <a:r>
+              <a:rPr lang="en-US" dirty="0">
+                <a:latin typeface="Times New Roman" panose="02020603050405020304" pitchFamily="18" charset="0"/>
+                <a:cs typeface="Times New Roman" panose="02020603050405020304" pitchFamily="18" charset="0"/>
+              </a:rPr>
+              <a:t> </a:t>
+            </a:r>
+            <a:r>
+              <a:rPr lang="en-US" dirty="0" err="1">
+                <a:latin typeface="Times New Roman" panose="02020603050405020304" pitchFamily="18" charset="0"/>
+                <a:cs typeface="Times New Roman" panose="02020603050405020304" pitchFamily="18" charset="0"/>
+              </a:rPr>
+              <a:t>klasi</a:t>
+            </a:r>
+            <a:r>
+              <a:rPr lang="en-US" dirty="0">
+                <a:latin typeface="Times New Roman" panose="02020603050405020304" pitchFamily="18" charset="0"/>
+                <a:cs typeface="Times New Roman" panose="02020603050405020304" pitchFamily="18" charset="0"/>
+              </a:rPr>
+              <a:t> un </a:t>
+            </a:r>
+            <a:r>
+              <a:rPr lang="en-US" dirty="0" err="1">
+                <a:latin typeface="Times New Roman" panose="02020603050405020304" pitchFamily="18" charset="0"/>
+                <a:cs typeface="Times New Roman" panose="02020603050405020304" pitchFamily="18" charset="0"/>
+              </a:rPr>
+              <a:t>izsaucamo</a:t>
+            </a:r>
+            <a:r>
+              <a:rPr lang="en-US" dirty="0">
+                <a:latin typeface="Times New Roman" panose="02020603050405020304" pitchFamily="18" charset="0"/>
+                <a:cs typeface="Times New Roman" panose="02020603050405020304" pitchFamily="18" charset="0"/>
+              </a:rPr>
+              <a:t> </a:t>
+            </a:r>
+            <a:r>
+              <a:rPr lang="en-US" dirty="0" err="1">
+                <a:latin typeface="Times New Roman" panose="02020603050405020304" pitchFamily="18" charset="0"/>
+                <a:cs typeface="Times New Roman" panose="02020603050405020304" pitchFamily="18" charset="0"/>
+              </a:rPr>
+              <a:t>metodi</a:t>
+            </a:r>
+            <a:r>
+              <a:rPr lang="en-US" dirty="0">
+                <a:latin typeface="Times New Roman" panose="02020603050405020304" pitchFamily="18" charset="0"/>
+                <a:cs typeface="Times New Roman" panose="02020603050405020304" pitchFamily="18" charset="0"/>
+              </a:rPr>
+              <a:t>, </a:t>
+            </a:r>
+            <a:r>
+              <a:rPr lang="en-US" dirty="0" err="1">
+                <a:latin typeface="Times New Roman" panose="02020603050405020304" pitchFamily="18" charset="0"/>
+                <a:cs typeface="Times New Roman" panose="02020603050405020304" pitchFamily="18" charset="0"/>
+              </a:rPr>
+              <a:t>visbeidzot</a:t>
+            </a:r>
+            <a:r>
+              <a:rPr lang="en-US" dirty="0">
+                <a:latin typeface="Times New Roman" panose="02020603050405020304" pitchFamily="18" charset="0"/>
+                <a:cs typeface="Times New Roman" panose="02020603050405020304" pitchFamily="18" charset="0"/>
+              </a:rPr>
+              <a:t> </a:t>
+            </a:r>
+            <a:r>
+              <a:rPr lang="en-US" dirty="0" err="1">
+                <a:latin typeface="Times New Roman" panose="02020603050405020304" pitchFamily="18" charset="0"/>
+                <a:cs typeface="Times New Roman" panose="02020603050405020304" pitchFamily="18" charset="0"/>
+              </a:rPr>
+              <a:t>dinamiski</a:t>
+            </a:r>
+            <a:r>
+              <a:rPr lang="en-US" dirty="0">
+                <a:latin typeface="Times New Roman" panose="02020603050405020304" pitchFamily="18" charset="0"/>
+                <a:cs typeface="Times New Roman" panose="02020603050405020304" pitchFamily="18" charset="0"/>
+              </a:rPr>
+              <a:t> </a:t>
+            </a:r>
+            <a:r>
+              <a:rPr lang="en-US" dirty="0" err="1">
+                <a:latin typeface="Times New Roman" panose="02020603050405020304" pitchFamily="18" charset="0"/>
+                <a:cs typeface="Times New Roman" panose="02020603050405020304" pitchFamily="18" charset="0"/>
+              </a:rPr>
+              <a:t>izsaukt</a:t>
+            </a:r>
+            <a:r>
+              <a:rPr lang="en-US" dirty="0">
+                <a:latin typeface="Times New Roman" panose="02020603050405020304" pitchFamily="18" charset="0"/>
+                <a:cs typeface="Times New Roman" panose="02020603050405020304" pitchFamily="18" charset="0"/>
+              </a:rPr>
+              <a:t> </a:t>
+            </a:r>
+            <a:r>
+              <a:rPr lang="en-US" dirty="0" err="1">
+                <a:latin typeface="Times New Roman" panose="02020603050405020304" pitchFamily="18" charset="0"/>
+                <a:cs typeface="Times New Roman" panose="02020603050405020304" pitchFamily="18" charset="0"/>
+              </a:rPr>
+              <a:t>klases</a:t>
+            </a:r>
+            <a:r>
+              <a:rPr lang="en-US" dirty="0">
+                <a:latin typeface="Times New Roman" panose="02020603050405020304" pitchFamily="18" charset="0"/>
+                <a:cs typeface="Times New Roman" panose="02020603050405020304" pitchFamily="18" charset="0"/>
+              </a:rPr>
+              <a:t> </a:t>
+            </a:r>
+            <a:r>
+              <a:rPr lang="en-US" dirty="0" err="1">
+                <a:latin typeface="Times New Roman" panose="02020603050405020304" pitchFamily="18" charset="0"/>
+                <a:cs typeface="Times New Roman" panose="02020603050405020304" pitchFamily="18" charset="0"/>
+              </a:rPr>
+              <a:t>konstruktoru</a:t>
+            </a:r>
+            <a:r>
+              <a:rPr lang="en-US" dirty="0">
+                <a:latin typeface="Times New Roman" panose="02020603050405020304" pitchFamily="18" charset="0"/>
+                <a:cs typeface="Times New Roman" panose="02020603050405020304" pitchFamily="18" charset="0"/>
+              </a:rPr>
+              <a:t> un </a:t>
+            </a:r>
+            <a:r>
+              <a:rPr lang="en-US" dirty="0" err="1">
+                <a:latin typeface="Times New Roman" panose="02020603050405020304" pitchFamily="18" charset="0"/>
+                <a:cs typeface="Times New Roman" panose="02020603050405020304" pitchFamily="18" charset="0"/>
+              </a:rPr>
+              <a:t>tikai</a:t>
+            </a:r>
+            <a:r>
+              <a:rPr lang="en-US" dirty="0">
+                <a:latin typeface="Times New Roman" panose="02020603050405020304" pitchFamily="18" charset="0"/>
+                <a:cs typeface="Times New Roman" panose="02020603050405020304" pitchFamily="18" charset="0"/>
+              </a:rPr>
+              <a:t> tad </a:t>
+            </a:r>
+            <a:r>
+              <a:rPr lang="en-US" dirty="0" err="1">
+                <a:latin typeface="Times New Roman" panose="02020603050405020304" pitchFamily="18" charset="0"/>
+                <a:cs typeface="Times New Roman" panose="02020603050405020304" pitchFamily="18" charset="0"/>
+              </a:rPr>
+              <a:t>izsaukt</a:t>
+            </a:r>
+            <a:r>
+              <a:rPr lang="en-US" dirty="0">
+                <a:latin typeface="Times New Roman" panose="02020603050405020304" pitchFamily="18" charset="0"/>
+                <a:cs typeface="Times New Roman" panose="02020603050405020304" pitchFamily="18" charset="0"/>
+              </a:rPr>
+              <a:t> </a:t>
+            </a:r>
+            <a:r>
+              <a:rPr lang="en-US" dirty="0" err="1">
+                <a:latin typeface="Times New Roman" panose="02020603050405020304" pitchFamily="18" charset="0"/>
+                <a:cs typeface="Times New Roman" panose="02020603050405020304" pitchFamily="18" charset="0"/>
+              </a:rPr>
+              <a:t>metodi</a:t>
+            </a:r>
+            <a:r>
+              <a:rPr lang="en-US" dirty="0">
+                <a:latin typeface="Times New Roman" panose="02020603050405020304" pitchFamily="18" charset="0"/>
+                <a:cs typeface="Times New Roman" panose="02020603050405020304" pitchFamily="18" charset="0"/>
+              </a:rPr>
+              <a:t>.</a:t>
+            </a:r>
+            <a:endParaRPr lang="lv-LV" dirty="0">
+              <a:latin typeface="Times New Roman" panose="02020603050405020304" pitchFamily="18" charset="0"/>
+              <a:cs typeface="Times New Roman" panose="02020603050405020304" pitchFamily="18" charset="0"/>
+            </a:endParaRPr>
+          </a:p>
+          <a:p>
             <a:endParaRPr lang="lv-LV" dirty="0">
               <a:latin typeface="Times New Roman" panose="02020603050405020304" pitchFamily="18" charset="0"/>
               <a:cs typeface="Times New Roman" panose="02020603050405020304" pitchFamily="18" charset="0"/>
@@ -4987,39 +5272,6 @@
             </a:r>
           </a:p>
           <a:p>
-            <a:endParaRPr lang="lv-LV" dirty="0">
-              <a:latin typeface="Times New Roman" panose="02020603050405020304" pitchFamily="18" charset="0"/>
-              <a:cs typeface="Times New Roman" panose="02020603050405020304" pitchFamily="18" charset="0"/>
-            </a:endParaRPr>
-          </a:p>
-          <a:p>
-            <a:r>
-              <a:rPr lang="lv-LV" dirty="0">
-                <a:latin typeface="Times New Roman" panose="02020603050405020304" pitchFamily="18" charset="0"/>
-                <a:cs typeface="Times New Roman" panose="02020603050405020304" pitchFamily="18" charset="0"/>
-              </a:rPr>
-              <a:t>Projekts iekļāvās 3 </a:t>
-            </a:r>
-            <a:r>
-              <a:rPr lang="lv-LV" dirty="0" err="1">
-                <a:latin typeface="Times New Roman" panose="02020603050405020304" pitchFamily="18" charset="0"/>
-                <a:cs typeface="Times New Roman" panose="02020603050405020304" pitchFamily="18" charset="0"/>
-              </a:rPr>
-              <a:t>cilvēkmēnešos</a:t>
-            </a:r>
-            <a:r>
-              <a:rPr lang="lv-LV" dirty="0">
-                <a:latin typeface="Times New Roman" panose="02020603050405020304" pitchFamily="18" charset="0"/>
-                <a:cs typeface="Times New Roman" panose="02020603050405020304" pitchFamily="18" charset="0"/>
-              </a:rPr>
-              <a:t>.</a:t>
-            </a:r>
-            <a:endParaRPr lang="en-US" dirty="0">
-              <a:latin typeface="Times New Roman" panose="02020603050405020304" pitchFamily="18" charset="0"/>
-              <a:cs typeface="Times New Roman" panose="02020603050405020304" pitchFamily="18" charset="0"/>
-            </a:endParaRPr>
-          </a:p>
-          <a:p>
             <a:pPr marL="0" indent="0">
               <a:buNone/>
             </a:pPr>
@@ -5110,6 +5362,701 @@
     <p:extLst>
       <p:ext uri="{BB962C8B-B14F-4D97-AF65-F5344CB8AC3E}">
         <p14:creationId xmlns:p14="http://schemas.microsoft.com/office/powerpoint/2010/main" val="2734842263"/>
+      </p:ext>
+    </p:extLst>
+  </p:cSld>
+  <p:clrMapOvr>
+    <a:masterClrMapping/>
+  </p:clrMapOvr>
+</p:sld>
+</file>
+
+<file path=ppt/slides/slide14.xml><?xml version="1.0" encoding="utf-8"?>
+<p:sld xmlns:a="http://schemas.openxmlformats.org/drawingml/2006/main" xmlns:r="http://schemas.openxmlformats.org/officeDocument/2006/relationships" xmlns:p="http://schemas.openxmlformats.org/presentationml/2006/main">
+  <p:cSld>
+    <p:spTree>
+      <p:nvGrpSpPr>
+        <p:cNvPr id="1" name=""/>
+        <p:cNvGrpSpPr/>
+        <p:nvPr/>
+      </p:nvGrpSpPr>
+      <p:grpSpPr>
+        <a:xfrm>
+          <a:off x="0" y="0"/>
+          <a:ext cx="0" cy="0"/>
+          <a:chOff x="0" y="0"/>
+          <a:chExt cx="0" cy="0"/>
+        </a:xfrm>
+      </p:grpSpPr>
+      <p:sp>
+        <p:nvSpPr>
+          <p:cNvPr id="2" name="Title 1">
+            <a:extLst>
+              <a:ext uri="{FF2B5EF4-FFF2-40B4-BE49-F238E27FC236}">
+                <a16:creationId xmlns:a16="http://schemas.microsoft.com/office/drawing/2014/main" id="{14BA404D-A32A-4BB2-909E-B9C15D732F0B}"/>
+              </a:ext>
+            </a:extLst>
+          </p:cNvPr>
+          <p:cNvSpPr>
+            <a:spLocks noGrp="1"/>
+          </p:cNvSpPr>
+          <p:nvPr>
+            <p:ph type="title"/>
+          </p:nvPr>
+        </p:nvSpPr>
+        <p:spPr/>
+        <p:txBody>
+          <a:bodyPr/>
+          <a:lstStyle/>
+          <a:p>
+            <a:r>
+              <a:rPr lang="en-US" dirty="0" err="1">
+                <a:latin typeface="Times New Roman" panose="02020603050405020304" pitchFamily="18" charset="0"/>
+                <a:cs typeface="Times New Roman" panose="02020603050405020304" pitchFamily="18" charset="0"/>
+              </a:rPr>
+              <a:t>Projekta</a:t>
+            </a:r>
+            <a:r>
+              <a:rPr lang="en-US" dirty="0">
+                <a:latin typeface="Times New Roman" panose="02020603050405020304" pitchFamily="18" charset="0"/>
+                <a:cs typeface="Times New Roman" panose="02020603050405020304" pitchFamily="18" charset="0"/>
+              </a:rPr>
+              <a:t> </a:t>
+            </a:r>
+            <a:r>
+              <a:rPr lang="en-US" dirty="0" err="1">
+                <a:latin typeface="Times New Roman" panose="02020603050405020304" pitchFamily="18" charset="0"/>
+                <a:cs typeface="Times New Roman" panose="02020603050405020304" pitchFamily="18" charset="0"/>
+              </a:rPr>
+              <a:t>gaita</a:t>
+            </a:r>
+            <a:endParaRPr lang="en-US" dirty="0">
+              <a:latin typeface="Times New Roman" panose="02020603050405020304" pitchFamily="18" charset="0"/>
+              <a:cs typeface="Times New Roman" panose="02020603050405020304" pitchFamily="18" charset="0"/>
+            </a:endParaRPr>
+          </a:p>
+        </p:txBody>
+      </p:sp>
+      <p:sp>
+        <p:nvSpPr>
+          <p:cNvPr id="3" name="Content Placeholder 2">
+            <a:extLst>
+              <a:ext uri="{FF2B5EF4-FFF2-40B4-BE49-F238E27FC236}">
+                <a16:creationId xmlns:a16="http://schemas.microsoft.com/office/drawing/2014/main" id="{00368CDD-A5AE-458D-B636-4B374C6AF2B9}"/>
+              </a:ext>
+            </a:extLst>
+          </p:cNvPr>
+          <p:cNvSpPr>
+            <a:spLocks noGrp="1"/>
+          </p:cNvSpPr>
+          <p:nvPr>
+            <p:ph idx="1"/>
+          </p:nvPr>
+        </p:nvSpPr>
+        <p:spPr/>
+        <p:txBody>
+          <a:bodyPr/>
+          <a:lstStyle/>
+          <a:p>
+            <a:r>
+              <a:rPr lang="en-US" dirty="0" err="1">
+                <a:latin typeface="Times New Roman" panose="02020603050405020304" pitchFamily="18" charset="0"/>
+                <a:cs typeface="Times New Roman" panose="02020603050405020304" pitchFamily="18" charset="0"/>
+              </a:rPr>
+              <a:t>Projekts</a:t>
+            </a:r>
+            <a:r>
+              <a:rPr lang="en-US" dirty="0">
+                <a:latin typeface="Times New Roman" panose="02020603050405020304" pitchFamily="18" charset="0"/>
+                <a:cs typeface="Times New Roman" panose="02020603050405020304" pitchFamily="18" charset="0"/>
+              </a:rPr>
+              <a:t> </a:t>
+            </a:r>
+            <a:r>
+              <a:rPr lang="en-US" dirty="0" err="1">
+                <a:latin typeface="Times New Roman" panose="02020603050405020304" pitchFamily="18" charset="0"/>
+                <a:cs typeface="Times New Roman" panose="02020603050405020304" pitchFamily="18" charset="0"/>
+              </a:rPr>
+              <a:t>strādāja</a:t>
+            </a:r>
+            <a:r>
+              <a:rPr lang="en-US" dirty="0">
+                <a:latin typeface="Times New Roman" panose="02020603050405020304" pitchFamily="18" charset="0"/>
+                <a:cs typeface="Times New Roman" panose="02020603050405020304" pitchFamily="18" charset="0"/>
+              </a:rPr>
+              <a:t> pec </a:t>
+            </a:r>
+            <a:r>
+              <a:rPr lang="en-US" dirty="0" err="1">
+                <a:latin typeface="Times New Roman" panose="02020603050405020304" pitchFamily="18" charset="0"/>
+                <a:cs typeface="Times New Roman" panose="02020603050405020304" pitchFamily="18" charset="0"/>
+              </a:rPr>
+              <a:t>spirālveida</a:t>
+            </a:r>
+            <a:r>
+              <a:rPr lang="en-US" dirty="0">
+                <a:latin typeface="Times New Roman" panose="02020603050405020304" pitchFamily="18" charset="0"/>
+                <a:cs typeface="Times New Roman" panose="02020603050405020304" pitchFamily="18" charset="0"/>
+              </a:rPr>
+              <a:t> </a:t>
+            </a:r>
+            <a:r>
+              <a:rPr lang="en-US" dirty="0" err="1">
+                <a:latin typeface="Times New Roman" panose="02020603050405020304" pitchFamily="18" charset="0"/>
+                <a:cs typeface="Times New Roman" panose="02020603050405020304" pitchFamily="18" charset="0"/>
+              </a:rPr>
+              <a:t>paradigmas</a:t>
+            </a:r>
+            <a:r>
+              <a:rPr lang="en-US" dirty="0">
+                <a:latin typeface="Times New Roman" panose="02020603050405020304" pitchFamily="18" charset="0"/>
+                <a:cs typeface="Times New Roman" panose="02020603050405020304" pitchFamily="18" charset="0"/>
+              </a:rPr>
+              <a:t>.</a:t>
+            </a:r>
+            <a:endParaRPr lang="lv-LV" dirty="0">
+              <a:latin typeface="Times New Roman" panose="02020603050405020304" pitchFamily="18" charset="0"/>
+              <a:cs typeface="Times New Roman" panose="02020603050405020304" pitchFamily="18" charset="0"/>
+            </a:endParaRPr>
+          </a:p>
+          <a:p>
+            <a:endParaRPr lang="lv-LV" dirty="0">
+              <a:latin typeface="Times New Roman" panose="02020603050405020304" pitchFamily="18" charset="0"/>
+              <a:cs typeface="Times New Roman" panose="02020603050405020304" pitchFamily="18" charset="0"/>
+            </a:endParaRPr>
+          </a:p>
+          <a:p>
+            <a:r>
+              <a:rPr lang="en-US" dirty="0" err="1">
+                <a:latin typeface="Times New Roman" panose="02020603050405020304" pitchFamily="18" charset="0"/>
+                <a:cs typeface="Times New Roman" panose="02020603050405020304" pitchFamily="18" charset="0"/>
+              </a:rPr>
+              <a:t>Projekta</a:t>
+            </a:r>
+            <a:r>
+              <a:rPr lang="en-US" dirty="0">
+                <a:latin typeface="Times New Roman" panose="02020603050405020304" pitchFamily="18" charset="0"/>
+                <a:cs typeface="Times New Roman" panose="02020603050405020304" pitchFamily="18" charset="0"/>
+              </a:rPr>
+              <a:t> programmkods tika </a:t>
+            </a:r>
+            <a:r>
+              <a:rPr lang="en-US" dirty="0" err="1">
+                <a:latin typeface="Times New Roman" panose="02020603050405020304" pitchFamily="18" charset="0"/>
+                <a:cs typeface="Times New Roman" panose="02020603050405020304" pitchFamily="18" charset="0"/>
+              </a:rPr>
+              <a:t>atjaunots</a:t>
+            </a:r>
+            <a:r>
+              <a:rPr lang="en-US" dirty="0">
+                <a:latin typeface="Times New Roman" panose="02020603050405020304" pitchFamily="18" charset="0"/>
+                <a:cs typeface="Times New Roman" panose="02020603050405020304" pitchFamily="18" charset="0"/>
+              </a:rPr>
+              <a:t> GitHub </a:t>
+            </a:r>
+            <a:r>
+              <a:rPr lang="en-US" dirty="0" err="1">
+                <a:latin typeface="Times New Roman" panose="02020603050405020304" pitchFamily="18" charset="0"/>
+                <a:cs typeface="Times New Roman" panose="02020603050405020304" pitchFamily="18" charset="0"/>
+              </a:rPr>
+              <a:t>repozitorijā</a:t>
+            </a:r>
+            <a:endParaRPr lang="en-US" dirty="0">
+              <a:latin typeface="Times New Roman" panose="02020603050405020304" pitchFamily="18" charset="0"/>
+              <a:cs typeface="Times New Roman" panose="02020603050405020304" pitchFamily="18" charset="0"/>
+            </a:endParaRPr>
+          </a:p>
+          <a:p>
+            <a:endParaRPr lang="en-US" dirty="0">
+              <a:latin typeface="Times New Roman" panose="02020603050405020304" pitchFamily="18" charset="0"/>
+              <a:cs typeface="Times New Roman" panose="02020603050405020304" pitchFamily="18" charset="0"/>
+            </a:endParaRPr>
+          </a:p>
+        </p:txBody>
+      </p:sp>
+    </p:spTree>
+    <p:extLst>
+      <p:ext uri="{BB962C8B-B14F-4D97-AF65-F5344CB8AC3E}">
+        <p14:creationId xmlns:p14="http://schemas.microsoft.com/office/powerpoint/2010/main" val="1089762984"/>
+      </p:ext>
+    </p:extLst>
+  </p:cSld>
+  <p:clrMapOvr>
+    <a:masterClrMapping/>
+  </p:clrMapOvr>
+</p:sld>
+</file>
+
+<file path=ppt/slides/slide15.xml><?xml version="1.0" encoding="utf-8"?>
+<p:sld xmlns:a="http://schemas.openxmlformats.org/drawingml/2006/main" xmlns:r="http://schemas.openxmlformats.org/officeDocument/2006/relationships" xmlns:p="http://schemas.openxmlformats.org/presentationml/2006/main">
+  <p:cSld>
+    <p:spTree>
+      <p:nvGrpSpPr>
+        <p:cNvPr id="1" name=""/>
+        <p:cNvGrpSpPr/>
+        <p:nvPr/>
+      </p:nvGrpSpPr>
+      <p:grpSpPr>
+        <a:xfrm>
+          <a:off x="0" y="0"/>
+          <a:ext cx="0" cy="0"/>
+          <a:chOff x="0" y="0"/>
+          <a:chExt cx="0" cy="0"/>
+        </a:xfrm>
+      </p:grpSpPr>
+      <p:sp>
+        <p:nvSpPr>
+          <p:cNvPr id="2" name="Title 1">
+            <a:extLst>
+              <a:ext uri="{FF2B5EF4-FFF2-40B4-BE49-F238E27FC236}">
+                <a16:creationId xmlns:a16="http://schemas.microsoft.com/office/drawing/2014/main" id="{3BD17F7E-A34A-40CC-B593-2F55DE450336}"/>
+              </a:ext>
+            </a:extLst>
+          </p:cNvPr>
+          <p:cNvSpPr>
+            <a:spLocks noGrp="1"/>
+          </p:cNvSpPr>
+          <p:nvPr>
+            <p:ph type="title"/>
+          </p:nvPr>
+        </p:nvSpPr>
+        <p:spPr/>
+        <p:txBody>
+          <a:bodyPr/>
+          <a:lstStyle/>
+          <a:p>
+            <a:r>
+              <a:rPr lang="en-US" dirty="0" err="1">
+                <a:latin typeface="Times New Roman" panose="02020603050405020304" pitchFamily="18" charset="0"/>
+                <a:cs typeface="Times New Roman" panose="02020603050405020304" pitchFamily="18" charset="0"/>
+              </a:rPr>
+              <a:t>Darbietilpība</a:t>
+            </a:r>
+            <a:endParaRPr lang="en-US" dirty="0">
+              <a:latin typeface="Times New Roman" panose="02020603050405020304" pitchFamily="18" charset="0"/>
+              <a:cs typeface="Times New Roman" panose="02020603050405020304" pitchFamily="18" charset="0"/>
+            </a:endParaRPr>
+          </a:p>
+        </p:txBody>
+      </p:sp>
+      <p:sp>
+        <p:nvSpPr>
+          <p:cNvPr id="3" name="Content Placeholder 2">
+            <a:extLst>
+              <a:ext uri="{FF2B5EF4-FFF2-40B4-BE49-F238E27FC236}">
+                <a16:creationId xmlns:a16="http://schemas.microsoft.com/office/drawing/2014/main" id="{DE1E42ED-B45A-4A62-A440-C81CEF6EEA8F}"/>
+              </a:ext>
+            </a:extLst>
+          </p:cNvPr>
+          <p:cNvSpPr>
+            <a:spLocks noGrp="1"/>
+          </p:cNvSpPr>
+          <p:nvPr>
+            <p:ph idx="1"/>
+          </p:nvPr>
+        </p:nvSpPr>
+        <p:spPr/>
+        <p:txBody>
+          <a:bodyPr/>
+          <a:lstStyle/>
+          <a:p>
+            <a:r>
+              <a:rPr lang="en-US" dirty="0" err="1">
+                <a:latin typeface="Times New Roman" panose="02020603050405020304" pitchFamily="18" charset="0"/>
+                <a:cs typeface="Times New Roman" panose="02020603050405020304" pitchFamily="18" charset="0"/>
+              </a:rPr>
+              <a:t>Pieņemts</a:t>
+            </a:r>
+            <a:r>
+              <a:rPr lang="en-US" dirty="0">
+                <a:latin typeface="Times New Roman" panose="02020603050405020304" pitchFamily="18" charset="0"/>
+                <a:cs typeface="Times New Roman" panose="02020603050405020304" pitchFamily="18" charset="0"/>
+              </a:rPr>
+              <a:t>, ka </a:t>
+            </a:r>
+            <a:r>
+              <a:rPr lang="en-US" dirty="0" err="1">
+                <a:latin typeface="Times New Roman" panose="02020603050405020304" pitchFamily="18" charset="0"/>
+                <a:cs typeface="Times New Roman" panose="02020603050405020304" pitchFamily="18" charset="0"/>
+              </a:rPr>
+              <a:t>mēnesī</a:t>
+            </a:r>
+            <a:r>
+              <a:rPr lang="en-US" dirty="0">
+                <a:latin typeface="Times New Roman" panose="02020603050405020304" pitchFamily="18" charset="0"/>
+                <a:cs typeface="Times New Roman" panose="02020603050405020304" pitchFamily="18" charset="0"/>
+              </a:rPr>
+              <a:t> </a:t>
+            </a:r>
+            <a:r>
+              <a:rPr lang="en-US" dirty="0" err="1">
+                <a:latin typeface="Times New Roman" panose="02020603050405020304" pitchFamily="18" charset="0"/>
+                <a:cs typeface="Times New Roman" panose="02020603050405020304" pitchFamily="18" charset="0"/>
+              </a:rPr>
+              <a:t>varu</a:t>
+            </a:r>
+            <a:r>
+              <a:rPr lang="en-US" dirty="0">
+                <a:latin typeface="Times New Roman" panose="02020603050405020304" pitchFamily="18" charset="0"/>
+                <a:cs typeface="Times New Roman" panose="02020603050405020304" pitchFamily="18" charset="0"/>
+              </a:rPr>
+              <a:t> </a:t>
+            </a:r>
+            <a:r>
+              <a:rPr lang="en-US" dirty="0" err="1">
+                <a:latin typeface="Times New Roman" panose="02020603050405020304" pitchFamily="18" charset="0"/>
+                <a:cs typeface="Times New Roman" panose="02020603050405020304" pitchFamily="18" charset="0"/>
+              </a:rPr>
+              <a:t>saražot</a:t>
+            </a:r>
+            <a:r>
+              <a:rPr lang="en-US" dirty="0">
+                <a:latin typeface="Times New Roman" panose="02020603050405020304" pitchFamily="18" charset="0"/>
+                <a:cs typeface="Times New Roman" panose="02020603050405020304" pitchFamily="18" charset="0"/>
+              </a:rPr>
+              <a:t> </a:t>
+            </a:r>
+            <a:r>
+              <a:rPr lang="en-US" dirty="0" err="1">
+                <a:latin typeface="Times New Roman" panose="02020603050405020304" pitchFamily="18" charset="0"/>
+                <a:cs typeface="Times New Roman" panose="02020603050405020304" pitchFamily="18" charset="0"/>
+              </a:rPr>
+              <a:t>aptuveni</a:t>
+            </a:r>
+            <a:r>
+              <a:rPr lang="en-US" dirty="0">
+                <a:latin typeface="Times New Roman" panose="02020603050405020304" pitchFamily="18" charset="0"/>
+                <a:cs typeface="Times New Roman" panose="02020603050405020304" pitchFamily="18" charset="0"/>
+              </a:rPr>
+              <a:t> 15 </a:t>
+            </a:r>
+            <a:r>
+              <a:rPr lang="en-US" dirty="0" err="1">
+                <a:latin typeface="Times New Roman" panose="02020603050405020304" pitchFamily="18" charset="0"/>
+                <a:cs typeface="Times New Roman" panose="02020603050405020304" pitchFamily="18" charset="0"/>
+              </a:rPr>
+              <a:t>funkcijpunktus</a:t>
+            </a:r>
+            <a:endParaRPr lang="en-US" dirty="0">
+              <a:latin typeface="Times New Roman" panose="02020603050405020304" pitchFamily="18" charset="0"/>
+              <a:cs typeface="Times New Roman" panose="02020603050405020304" pitchFamily="18" charset="0"/>
+            </a:endParaRPr>
+          </a:p>
+          <a:p>
+            <a:endParaRPr lang="en-US" dirty="0">
+              <a:latin typeface="Times New Roman" panose="02020603050405020304" pitchFamily="18" charset="0"/>
+              <a:cs typeface="Times New Roman" panose="02020603050405020304" pitchFamily="18" charset="0"/>
+            </a:endParaRPr>
+          </a:p>
+          <a:p>
+            <a:r>
+              <a:rPr lang="en-US" dirty="0">
+                <a:latin typeface="Times New Roman" panose="02020603050405020304" pitchFamily="18" charset="0"/>
+                <a:cs typeface="Times New Roman" panose="02020603050405020304" pitchFamily="18" charset="0"/>
+              </a:rPr>
+              <a:t>Tika </a:t>
+            </a:r>
+            <a:r>
+              <a:rPr lang="en-US" dirty="0" err="1">
+                <a:latin typeface="Times New Roman" panose="02020603050405020304" pitchFamily="18" charset="0"/>
+                <a:cs typeface="Times New Roman" panose="02020603050405020304" pitchFamily="18" charset="0"/>
+              </a:rPr>
+              <a:t>aprēķināts</a:t>
+            </a:r>
+            <a:r>
+              <a:rPr lang="en-US" dirty="0">
+                <a:latin typeface="Times New Roman" panose="02020603050405020304" pitchFamily="18" charset="0"/>
+                <a:cs typeface="Times New Roman" panose="02020603050405020304" pitchFamily="18" charset="0"/>
+              </a:rPr>
+              <a:t>, ka starpkoda </a:t>
+            </a:r>
+            <a:r>
+              <a:rPr lang="en-US" dirty="0" err="1">
+                <a:latin typeface="Times New Roman" panose="02020603050405020304" pitchFamily="18" charset="0"/>
+                <a:cs typeface="Times New Roman" panose="02020603050405020304" pitchFamily="18" charset="0"/>
+              </a:rPr>
+              <a:t>ģeneratoram</a:t>
+            </a:r>
+            <a:r>
+              <a:rPr lang="en-US" dirty="0">
+                <a:latin typeface="Times New Roman" panose="02020603050405020304" pitchFamily="18" charset="0"/>
+                <a:cs typeface="Times New Roman" panose="02020603050405020304" pitchFamily="18" charset="0"/>
+              </a:rPr>
+              <a:t> </a:t>
+            </a:r>
+            <a:r>
+              <a:rPr lang="en-US" dirty="0" err="1">
+                <a:latin typeface="Times New Roman" panose="02020603050405020304" pitchFamily="18" charset="0"/>
+                <a:cs typeface="Times New Roman" panose="02020603050405020304" pitchFamily="18" charset="0"/>
+              </a:rPr>
+              <a:t>ir</a:t>
+            </a:r>
+            <a:r>
+              <a:rPr lang="en-US" dirty="0">
+                <a:latin typeface="Times New Roman" panose="02020603050405020304" pitchFamily="18" charset="0"/>
+                <a:cs typeface="Times New Roman" panose="02020603050405020304" pitchFamily="18" charset="0"/>
+              </a:rPr>
+              <a:t> </a:t>
+            </a:r>
+            <a:r>
+              <a:rPr lang="en-US" dirty="0" err="1">
+                <a:latin typeface="Times New Roman" panose="02020603050405020304" pitchFamily="18" charset="0"/>
+                <a:cs typeface="Times New Roman" panose="02020603050405020304" pitchFamily="18" charset="0"/>
+              </a:rPr>
+              <a:t>aptuveni</a:t>
+            </a:r>
+            <a:r>
+              <a:rPr lang="en-US" dirty="0">
+                <a:latin typeface="Times New Roman" panose="02020603050405020304" pitchFamily="18" charset="0"/>
+                <a:cs typeface="Times New Roman" panose="02020603050405020304" pitchFamily="18" charset="0"/>
+              </a:rPr>
+              <a:t> 21 </a:t>
+            </a:r>
+            <a:r>
+              <a:rPr lang="en-US" dirty="0" err="1">
+                <a:latin typeface="Times New Roman" panose="02020603050405020304" pitchFamily="18" charset="0"/>
+                <a:cs typeface="Times New Roman" panose="02020603050405020304" pitchFamily="18" charset="0"/>
+              </a:rPr>
+              <a:t>funkcijpunkts</a:t>
+            </a:r>
+            <a:r>
+              <a:rPr lang="en-US" dirty="0">
+                <a:latin typeface="Times New Roman" panose="02020603050405020304" pitchFamily="18" charset="0"/>
+                <a:cs typeface="Times New Roman" panose="02020603050405020304" pitchFamily="18" charset="0"/>
+              </a:rPr>
+              <a:t> un OOP API </a:t>
+            </a:r>
+            <a:r>
+              <a:rPr lang="en-US" dirty="0" err="1">
+                <a:latin typeface="Times New Roman" panose="02020603050405020304" pitchFamily="18" charset="0"/>
+                <a:cs typeface="Times New Roman" panose="02020603050405020304" pitchFamily="18" charset="0"/>
+              </a:rPr>
+              <a:t>ar</a:t>
+            </a:r>
+            <a:r>
+              <a:rPr lang="en-US" dirty="0">
+                <a:latin typeface="Times New Roman" panose="02020603050405020304" pitchFamily="18" charset="0"/>
+                <a:cs typeface="Times New Roman" panose="02020603050405020304" pitchFamily="18" charset="0"/>
+              </a:rPr>
+              <a:t> </a:t>
+            </a:r>
+            <a:r>
+              <a:rPr lang="en-US" dirty="0" err="1">
+                <a:latin typeface="Times New Roman" panose="02020603050405020304" pitchFamily="18" charset="0"/>
+                <a:cs typeface="Times New Roman" panose="02020603050405020304" pitchFamily="18" charset="0"/>
+              </a:rPr>
+              <a:t>adapteri</a:t>
+            </a:r>
+            <a:r>
+              <a:rPr lang="en-US" dirty="0">
+                <a:latin typeface="Times New Roman" panose="02020603050405020304" pitchFamily="18" charset="0"/>
+                <a:cs typeface="Times New Roman" panose="02020603050405020304" pitchFamily="18" charset="0"/>
+              </a:rPr>
+              <a:t> – </a:t>
+            </a:r>
+            <a:r>
+              <a:rPr lang="en-US" dirty="0" err="1">
+                <a:latin typeface="Times New Roman" panose="02020603050405020304" pitchFamily="18" charset="0"/>
+                <a:cs typeface="Times New Roman" panose="02020603050405020304" pitchFamily="18" charset="0"/>
+              </a:rPr>
+              <a:t>aptuveni</a:t>
+            </a:r>
+            <a:r>
+              <a:rPr lang="en-US" dirty="0">
+                <a:latin typeface="Times New Roman" panose="02020603050405020304" pitchFamily="18" charset="0"/>
+                <a:cs typeface="Times New Roman" panose="02020603050405020304" pitchFamily="18" charset="0"/>
+              </a:rPr>
+              <a:t> 24 </a:t>
+            </a:r>
+            <a:r>
+              <a:rPr lang="en-US" dirty="0" err="1">
+                <a:latin typeface="Times New Roman" panose="02020603050405020304" pitchFamily="18" charset="0"/>
+                <a:cs typeface="Times New Roman" panose="02020603050405020304" pitchFamily="18" charset="0"/>
+              </a:rPr>
+              <a:t>funkcijpunkti</a:t>
+            </a:r>
+            <a:r>
+              <a:rPr lang="en-US" dirty="0">
+                <a:latin typeface="Times New Roman" panose="02020603050405020304" pitchFamily="18" charset="0"/>
+                <a:cs typeface="Times New Roman" panose="02020603050405020304" pitchFamily="18" charset="0"/>
+              </a:rPr>
+              <a:t>.</a:t>
+            </a:r>
+          </a:p>
+          <a:p>
+            <a:endParaRPr lang="en-US" dirty="0">
+              <a:latin typeface="Times New Roman" panose="02020603050405020304" pitchFamily="18" charset="0"/>
+              <a:cs typeface="Times New Roman" panose="02020603050405020304" pitchFamily="18" charset="0"/>
+            </a:endParaRPr>
+          </a:p>
+          <a:p>
+            <a:r>
+              <a:rPr lang="lv-LV" dirty="0">
+                <a:latin typeface="Times New Roman" panose="02020603050405020304" pitchFamily="18" charset="0"/>
+                <a:cs typeface="Times New Roman" panose="02020603050405020304" pitchFamily="18" charset="0"/>
+              </a:rPr>
+              <a:t>Projekts iekļāvās</a:t>
+            </a:r>
+            <a:r>
+              <a:rPr lang="en-US" dirty="0">
+                <a:latin typeface="Times New Roman" panose="02020603050405020304" pitchFamily="18" charset="0"/>
+                <a:cs typeface="Times New Roman" panose="02020603050405020304" pitchFamily="18" charset="0"/>
+              </a:rPr>
+              <a:t> </a:t>
+            </a:r>
+            <a:r>
+              <a:rPr lang="en-US" dirty="0" err="1">
+                <a:latin typeface="Times New Roman" panose="02020603050405020304" pitchFamily="18" charset="0"/>
+                <a:cs typeface="Times New Roman" panose="02020603050405020304" pitchFamily="18" charset="0"/>
+              </a:rPr>
+              <a:t>aptuveni</a:t>
+            </a:r>
+            <a:r>
+              <a:rPr lang="en-US" dirty="0">
+                <a:latin typeface="Times New Roman" panose="02020603050405020304" pitchFamily="18" charset="0"/>
+                <a:cs typeface="Times New Roman" panose="02020603050405020304" pitchFamily="18" charset="0"/>
+              </a:rPr>
+              <a:t> </a:t>
+            </a:r>
+            <a:r>
+              <a:rPr lang="lv-LV" dirty="0">
+                <a:latin typeface="Times New Roman" panose="02020603050405020304" pitchFamily="18" charset="0"/>
+                <a:cs typeface="Times New Roman" panose="02020603050405020304" pitchFamily="18" charset="0"/>
+              </a:rPr>
+              <a:t>3</a:t>
+            </a:r>
+            <a:r>
+              <a:rPr lang="en-US" dirty="0">
+                <a:latin typeface="Times New Roman" panose="02020603050405020304" pitchFamily="18" charset="0"/>
+                <a:cs typeface="Times New Roman" panose="02020603050405020304" pitchFamily="18" charset="0"/>
+              </a:rPr>
+              <a:t>.1</a:t>
+            </a:r>
+            <a:r>
+              <a:rPr lang="lv-LV" dirty="0">
+                <a:latin typeface="Times New Roman" panose="02020603050405020304" pitchFamily="18" charset="0"/>
+                <a:cs typeface="Times New Roman" panose="02020603050405020304" pitchFamily="18" charset="0"/>
+              </a:rPr>
+              <a:t> </a:t>
+            </a:r>
+            <a:r>
+              <a:rPr lang="lv-LV" dirty="0" err="1">
+                <a:latin typeface="Times New Roman" panose="02020603050405020304" pitchFamily="18" charset="0"/>
+                <a:cs typeface="Times New Roman" panose="02020603050405020304" pitchFamily="18" charset="0"/>
+              </a:rPr>
+              <a:t>cilvēkmēnešos</a:t>
+            </a:r>
+            <a:r>
+              <a:rPr lang="lv-LV" dirty="0">
+                <a:latin typeface="Times New Roman" panose="02020603050405020304" pitchFamily="18" charset="0"/>
+                <a:cs typeface="Times New Roman" panose="02020603050405020304" pitchFamily="18" charset="0"/>
+              </a:rPr>
+              <a:t>.</a:t>
+            </a:r>
+            <a:endParaRPr lang="en-US" dirty="0">
+              <a:latin typeface="Times New Roman" panose="02020603050405020304" pitchFamily="18" charset="0"/>
+              <a:cs typeface="Times New Roman" panose="02020603050405020304" pitchFamily="18" charset="0"/>
+            </a:endParaRPr>
+          </a:p>
+          <a:p>
+            <a:endParaRPr lang="en-US" dirty="0">
+              <a:latin typeface="Times New Roman" panose="02020603050405020304" pitchFamily="18" charset="0"/>
+              <a:cs typeface="Times New Roman" panose="02020603050405020304" pitchFamily="18" charset="0"/>
+            </a:endParaRPr>
+          </a:p>
+          <a:p>
+            <a:r>
+              <a:rPr lang="en-US" dirty="0" err="1">
+                <a:latin typeface="Times New Roman" panose="02020603050405020304" pitchFamily="18" charset="0"/>
+                <a:cs typeface="Times New Roman" panose="02020603050405020304" pitchFamily="18" charset="0"/>
+              </a:rPr>
+              <a:t>Pavisam</a:t>
+            </a:r>
+            <a:r>
+              <a:rPr lang="en-US" dirty="0">
+                <a:latin typeface="Times New Roman" panose="02020603050405020304" pitchFamily="18" charset="0"/>
+                <a:cs typeface="Times New Roman" panose="02020603050405020304" pitchFamily="18" charset="0"/>
+              </a:rPr>
+              <a:t> tika </a:t>
+            </a:r>
+            <a:r>
+              <a:rPr lang="en-US" dirty="0" err="1">
+                <a:latin typeface="Times New Roman" panose="02020603050405020304" pitchFamily="18" charset="0"/>
+                <a:cs typeface="Times New Roman" panose="02020603050405020304" pitchFamily="18" charset="0"/>
+              </a:rPr>
+              <a:t>uzrakstītas</a:t>
+            </a:r>
+            <a:r>
+              <a:rPr lang="en-US" dirty="0">
+                <a:latin typeface="Times New Roman" panose="02020603050405020304" pitchFamily="18" charset="0"/>
+                <a:cs typeface="Times New Roman" panose="02020603050405020304" pitchFamily="18" charset="0"/>
+              </a:rPr>
+              <a:t> </a:t>
+            </a:r>
+            <a:r>
+              <a:rPr lang="en-US" dirty="0" err="1">
+                <a:latin typeface="Times New Roman" panose="02020603050405020304" pitchFamily="18" charset="0"/>
+                <a:cs typeface="Times New Roman" panose="02020603050405020304" pitchFamily="18" charset="0"/>
+              </a:rPr>
+              <a:t>aptuveni</a:t>
+            </a:r>
+            <a:r>
+              <a:rPr lang="en-US" dirty="0">
+                <a:latin typeface="Times New Roman" panose="02020603050405020304" pitchFamily="18" charset="0"/>
+                <a:cs typeface="Times New Roman" panose="02020603050405020304" pitchFamily="18" charset="0"/>
+              </a:rPr>
+              <a:t> 2700 </a:t>
+            </a:r>
+            <a:r>
+              <a:rPr lang="en-US" dirty="0" err="1">
+                <a:latin typeface="Times New Roman" panose="02020603050405020304" pitchFamily="18" charset="0"/>
+                <a:cs typeface="Times New Roman" panose="02020603050405020304" pitchFamily="18" charset="0"/>
+              </a:rPr>
+              <a:t>koda</a:t>
+            </a:r>
+            <a:r>
+              <a:rPr lang="en-US" dirty="0">
+                <a:latin typeface="Times New Roman" panose="02020603050405020304" pitchFamily="18" charset="0"/>
+                <a:cs typeface="Times New Roman" panose="02020603050405020304" pitchFamily="18" charset="0"/>
+              </a:rPr>
+              <a:t> </a:t>
+            </a:r>
+            <a:r>
+              <a:rPr lang="en-US" dirty="0" err="1">
+                <a:latin typeface="Times New Roman" panose="02020603050405020304" pitchFamily="18" charset="0"/>
+                <a:cs typeface="Times New Roman" panose="02020603050405020304" pitchFamily="18" charset="0"/>
+              </a:rPr>
+              <a:t>rindiņas</a:t>
+            </a:r>
+            <a:r>
+              <a:rPr lang="en-US" dirty="0">
+                <a:latin typeface="Times New Roman" panose="02020603050405020304" pitchFamily="18" charset="0"/>
+                <a:cs typeface="Times New Roman" panose="02020603050405020304" pitchFamily="18" charset="0"/>
+              </a:rPr>
+              <a:t>.</a:t>
+            </a:r>
+          </a:p>
+          <a:p>
+            <a:endParaRPr lang="en-US" dirty="0">
+              <a:latin typeface="Times New Roman" panose="02020603050405020304" pitchFamily="18" charset="0"/>
+              <a:cs typeface="Times New Roman" panose="02020603050405020304" pitchFamily="18" charset="0"/>
+            </a:endParaRPr>
+          </a:p>
+          <a:p>
+            <a:endParaRPr lang="en-US" dirty="0">
+              <a:latin typeface="Times New Roman" panose="02020603050405020304" pitchFamily="18" charset="0"/>
+              <a:cs typeface="Times New Roman" panose="02020603050405020304" pitchFamily="18" charset="0"/>
+            </a:endParaRPr>
+          </a:p>
+          <a:p>
+            <a:endParaRPr lang="en-US" dirty="0"/>
+          </a:p>
+        </p:txBody>
+      </p:sp>
+    </p:spTree>
+    <p:extLst>
+      <p:ext uri="{BB962C8B-B14F-4D97-AF65-F5344CB8AC3E}">
+        <p14:creationId xmlns:p14="http://schemas.microsoft.com/office/powerpoint/2010/main" val="99987167"/>
       </p:ext>
     </p:extLst>
   </p:cSld>
@@ -6149,7 +7096,7 @@
               <a:t>“</a:t>
             </a:r>
             <a:r>
-              <a:rPr lang="lv-LV" dirty="0" err="1">
+              <a:rPr lang="lv-LV" b="1" dirty="0" err="1">
                 <a:latin typeface="Consolas" panose="020B0609020204030204" pitchFamily="49" charset="0"/>
               </a:rPr>
               <a:t>dotnet:local:mynamespace.myclass#method</a:t>
